--- a/Notebooks/figures/chap05/5/figure.pptx
+++ b/Notebooks/figures/chap05/5/figure.pptx
@@ -105,6 +105,22 @@
       </a:defRPr>
     </a:lvl9pPr>
   </p:defaultTextStyle>
+  <p:extLst>
+    <p:ext uri="{EFAFB233-063F-42B5-8137-9DF3F51BA10A}">
+      <p15:sldGuideLst xmlns:p15="http://schemas.microsoft.com/office/powerpoint/2012/main">
+        <p15:guide id="1" orient="horz" pos="2160">
+          <p15:clr>
+            <a:srgbClr val="A4A3A4"/>
+          </p15:clr>
+        </p15:guide>
+        <p15:guide id="2" pos="2880">
+          <p15:clr>
+            <a:srgbClr val="A4A3A4"/>
+          </p15:clr>
+        </p15:guide>
+      </p15:sldGuideLst>
+    </p:ext>
+  </p:extLst>
 </p:presentation>
 </file>
 
@@ -289,7 +305,7 @@
           <a:p>
             <a:fld id="{46B215DF-9304-D749-9E36-45FCEA760741}" type="datetimeFigureOut">
               <a:rPr lang="en-US" smtClean="0"/>
-              <a:t>5/23/17</a:t>
+              <a:t>9/12/17</a:t>
             </a:fld>
             <a:endParaRPr lang="en-US"/>
           </a:p>
@@ -459,7 +475,7 @@
           <a:p>
             <a:fld id="{46B215DF-9304-D749-9E36-45FCEA760741}" type="datetimeFigureOut">
               <a:rPr lang="en-US" smtClean="0"/>
-              <a:t>5/23/17</a:t>
+              <a:t>9/12/17</a:t>
             </a:fld>
             <a:endParaRPr lang="en-US"/>
           </a:p>
@@ -639,7 +655,7 @@
           <a:p>
             <a:fld id="{46B215DF-9304-D749-9E36-45FCEA760741}" type="datetimeFigureOut">
               <a:rPr lang="en-US" smtClean="0"/>
-              <a:t>5/23/17</a:t>
+              <a:t>9/12/17</a:t>
             </a:fld>
             <a:endParaRPr lang="en-US"/>
           </a:p>
@@ -745,12 +761,12 @@
           <a:effectLst/>
           <a:extLst>
             <a:ext uri="{909E8E84-426E-40dd-AFC4-6F175D3DCCD1}">
-              <a14:hiddenFill xmlns:a14="http://schemas.microsoft.com/office/drawing/2010/main">
+              <a14:hiddenFill xmlns:a14="http://schemas.microsoft.com/office/drawing/2010/main" xmlns="">
                 <a:noFill/>
               </a14:hiddenFill>
             </a:ext>
             <a:ext uri="{AF507438-7753-43e0-B8FC-AC1667EBCBE1}">
-              <a14:hiddenEffects xmlns:a14="http://schemas.microsoft.com/office/drawing/2010/main">
+              <a14:hiddenEffects xmlns:a14="http://schemas.microsoft.com/office/drawing/2010/main" xmlns="">
                 <a:effectLst>
                   <a:outerShdw blurRad="63500" dist="38099" dir="2700000" algn="ctr" rotWithShape="0">
                     <a:schemeClr val="bg2">
@@ -982,7 +998,7 @@
             <a:effectLst/>
             <a:extLst>
               <a:ext uri="{91240B29-F687-4f45-9708-019B960494DF}">
-                <a14:hiddenLine xmlns:a14="http://schemas.microsoft.com/office/drawing/2010/main" w="9525">
+                <a14:hiddenLine xmlns:a14="http://schemas.microsoft.com/office/drawing/2010/main" xmlns="" w="9525">
                   <a:solidFill>
                     <a:schemeClr val="tx1"/>
                   </a:solidFill>
@@ -992,7 +1008,7 @@
                 </a14:hiddenLine>
               </a:ext>
               <a:ext uri="{AF507438-7753-43e0-B8FC-AC1667EBCBE1}">
-                <a14:hiddenEffects xmlns:a14="http://schemas.microsoft.com/office/drawing/2010/main">
+                <a14:hiddenEffects xmlns:a14="http://schemas.microsoft.com/office/drawing/2010/main" xmlns="">
                   <a:effectLst>
                     <a:outerShdw blurRad="63500" dist="38099" dir="2700000" algn="ctr" rotWithShape="0">
                       <a:schemeClr val="bg2">
@@ -1052,7 +1068,7 @@
             <a:effectLst/>
             <a:extLst>
               <a:ext uri="{91240B29-F687-4f45-9708-019B960494DF}">
-                <a14:hiddenLine xmlns:a14="http://schemas.microsoft.com/office/drawing/2010/main" w="9525">
+                <a14:hiddenLine xmlns:a14="http://schemas.microsoft.com/office/drawing/2010/main" xmlns="" w="9525">
                   <a:solidFill>
                     <a:schemeClr val="tx1"/>
                   </a:solidFill>
@@ -1062,7 +1078,7 @@
                 </a14:hiddenLine>
               </a:ext>
               <a:ext uri="{AF507438-7753-43e0-B8FC-AC1667EBCBE1}">
-                <a14:hiddenEffects xmlns:a14="http://schemas.microsoft.com/office/drawing/2010/main">
+                <a14:hiddenEffects xmlns:a14="http://schemas.microsoft.com/office/drawing/2010/main" xmlns="">
                   <a:effectLst>
                     <a:outerShdw blurRad="63500" dist="38099" dir="2700000" algn="ctr" rotWithShape="0">
                       <a:schemeClr val="bg2">
@@ -1122,7 +1138,7 @@
             <a:effectLst/>
             <a:extLst>
               <a:ext uri="{91240B29-F687-4f45-9708-019B960494DF}">
-                <a14:hiddenLine xmlns:a14="http://schemas.microsoft.com/office/drawing/2010/main" w="9525">
+                <a14:hiddenLine xmlns:a14="http://schemas.microsoft.com/office/drawing/2010/main" xmlns="" w="9525">
                   <a:solidFill>
                     <a:schemeClr val="tx1"/>
                   </a:solidFill>
@@ -1132,7 +1148,7 @@
                 </a14:hiddenLine>
               </a:ext>
               <a:ext uri="{AF507438-7753-43e0-B8FC-AC1667EBCBE1}">
-                <a14:hiddenEffects xmlns:a14="http://schemas.microsoft.com/office/drawing/2010/main">
+                <a14:hiddenEffects xmlns:a14="http://schemas.microsoft.com/office/drawing/2010/main" xmlns="">
                   <a:effectLst>
                     <a:outerShdw blurRad="63500" dist="38099" dir="2700000" algn="ctr" rotWithShape="0">
                       <a:schemeClr val="bg2">
@@ -1192,7 +1208,7 @@
             <a:effectLst/>
             <a:extLst>
               <a:ext uri="{91240B29-F687-4f45-9708-019B960494DF}">
-                <a14:hiddenLine xmlns:a14="http://schemas.microsoft.com/office/drawing/2010/main" w="9525">
+                <a14:hiddenLine xmlns:a14="http://schemas.microsoft.com/office/drawing/2010/main" xmlns="" w="9525">
                   <a:solidFill>
                     <a:schemeClr val="tx1"/>
                   </a:solidFill>
@@ -1202,7 +1218,7 @@
                 </a14:hiddenLine>
               </a:ext>
               <a:ext uri="{AF507438-7753-43e0-B8FC-AC1667EBCBE1}">
-                <a14:hiddenEffects xmlns:a14="http://schemas.microsoft.com/office/drawing/2010/main">
+                <a14:hiddenEffects xmlns:a14="http://schemas.microsoft.com/office/drawing/2010/main" xmlns="">
                   <a:effectLst>
                     <a:outerShdw blurRad="63500" dist="38099" dir="2700000" algn="ctr" rotWithShape="0">
                       <a:schemeClr val="bg2">
@@ -1262,7 +1278,7 @@
             <a:effectLst/>
             <a:extLst>
               <a:ext uri="{91240B29-F687-4f45-9708-019B960494DF}">
-                <a14:hiddenLine xmlns:a14="http://schemas.microsoft.com/office/drawing/2010/main" w="9525">
+                <a14:hiddenLine xmlns:a14="http://schemas.microsoft.com/office/drawing/2010/main" xmlns="" w="9525">
                   <a:solidFill>
                     <a:schemeClr val="tx1"/>
                   </a:solidFill>
@@ -1272,7 +1288,7 @@
                 </a14:hiddenLine>
               </a:ext>
               <a:ext uri="{AF507438-7753-43e0-B8FC-AC1667EBCBE1}">
-                <a14:hiddenEffects xmlns:a14="http://schemas.microsoft.com/office/drawing/2010/main">
+                <a14:hiddenEffects xmlns:a14="http://schemas.microsoft.com/office/drawing/2010/main" xmlns="">
                   <a:effectLst>
                     <a:outerShdw blurRad="63500" dist="38099" dir="2700000" algn="ctr" rotWithShape="0">
                       <a:schemeClr val="bg2">
@@ -1332,7 +1348,7 @@
             <a:effectLst/>
             <a:extLst>
               <a:ext uri="{91240B29-F687-4f45-9708-019B960494DF}">
-                <a14:hiddenLine xmlns:a14="http://schemas.microsoft.com/office/drawing/2010/main" w="9525">
+                <a14:hiddenLine xmlns:a14="http://schemas.microsoft.com/office/drawing/2010/main" xmlns="" w="9525">
                   <a:solidFill>
                     <a:schemeClr val="tx1"/>
                   </a:solidFill>
@@ -1342,7 +1358,7 @@
                 </a14:hiddenLine>
               </a:ext>
               <a:ext uri="{AF507438-7753-43e0-B8FC-AC1667EBCBE1}">
-                <a14:hiddenEffects xmlns:a14="http://schemas.microsoft.com/office/drawing/2010/main">
+                <a14:hiddenEffects xmlns:a14="http://schemas.microsoft.com/office/drawing/2010/main" xmlns="">
                   <a:effectLst>
                     <a:outerShdw blurRad="63500" dist="38099" dir="2700000" algn="ctr" rotWithShape="0">
                       <a:schemeClr val="bg2">
@@ -1402,7 +1418,7 @@
             <a:effectLst/>
             <a:extLst>
               <a:ext uri="{91240B29-F687-4f45-9708-019B960494DF}">
-                <a14:hiddenLine xmlns:a14="http://schemas.microsoft.com/office/drawing/2010/main" w="9525">
+                <a14:hiddenLine xmlns:a14="http://schemas.microsoft.com/office/drawing/2010/main" xmlns="" w="9525">
                   <a:solidFill>
                     <a:schemeClr val="tx1"/>
                   </a:solidFill>
@@ -1412,7 +1428,7 @@
                 </a14:hiddenLine>
               </a:ext>
               <a:ext uri="{AF507438-7753-43e0-B8FC-AC1667EBCBE1}">
-                <a14:hiddenEffects xmlns:a14="http://schemas.microsoft.com/office/drawing/2010/main">
+                <a14:hiddenEffects xmlns:a14="http://schemas.microsoft.com/office/drawing/2010/main" xmlns="">
                   <a:effectLst>
                     <a:outerShdw blurRad="63500" dist="38099" dir="2700000" algn="ctr" rotWithShape="0">
                       <a:schemeClr val="bg2">
@@ -1472,7 +1488,7 @@
             <a:effectLst/>
             <a:extLst>
               <a:ext uri="{91240B29-F687-4f45-9708-019B960494DF}">
-                <a14:hiddenLine xmlns:a14="http://schemas.microsoft.com/office/drawing/2010/main" w="9525">
+                <a14:hiddenLine xmlns:a14="http://schemas.microsoft.com/office/drawing/2010/main" xmlns="" w="9525">
                   <a:solidFill>
                     <a:schemeClr val="tx1"/>
                   </a:solidFill>
@@ -1482,7 +1498,7 @@
                 </a14:hiddenLine>
               </a:ext>
               <a:ext uri="{AF507438-7753-43e0-B8FC-AC1667EBCBE1}">
-                <a14:hiddenEffects xmlns:a14="http://schemas.microsoft.com/office/drawing/2010/main">
+                <a14:hiddenEffects xmlns:a14="http://schemas.microsoft.com/office/drawing/2010/main" xmlns="">
                   <a:effectLst>
                     <a:outerShdw blurRad="63500" dist="38099" dir="2700000" algn="ctr" rotWithShape="0">
                       <a:schemeClr val="bg2">
@@ -1542,7 +1558,7 @@
             <a:effectLst/>
             <a:extLst>
               <a:ext uri="{91240B29-F687-4f45-9708-019B960494DF}">
-                <a14:hiddenLine xmlns:a14="http://schemas.microsoft.com/office/drawing/2010/main" w="9525">
+                <a14:hiddenLine xmlns:a14="http://schemas.microsoft.com/office/drawing/2010/main" xmlns="" w="9525">
                   <a:solidFill>
                     <a:schemeClr val="tx1"/>
                   </a:solidFill>
@@ -1552,7 +1568,7 @@
                 </a14:hiddenLine>
               </a:ext>
               <a:ext uri="{AF507438-7753-43e0-B8FC-AC1667EBCBE1}">
-                <a14:hiddenEffects xmlns:a14="http://schemas.microsoft.com/office/drawing/2010/main">
+                <a14:hiddenEffects xmlns:a14="http://schemas.microsoft.com/office/drawing/2010/main" xmlns="">
                   <a:effectLst>
                     <a:outerShdw blurRad="63500" dist="38099" dir="2700000" algn="ctr" rotWithShape="0">
                       <a:schemeClr val="bg2">
@@ -1612,7 +1628,7 @@
             <a:effectLst/>
             <a:extLst>
               <a:ext uri="{91240B29-F687-4f45-9708-019B960494DF}">
-                <a14:hiddenLine xmlns:a14="http://schemas.microsoft.com/office/drawing/2010/main" w="9525">
+                <a14:hiddenLine xmlns:a14="http://schemas.microsoft.com/office/drawing/2010/main" xmlns="" w="9525">
                   <a:solidFill>
                     <a:schemeClr val="tx1"/>
                   </a:solidFill>
@@ -1622,7 +1638,7 @@
                 </a14:hiddenLine>
               </a:ext>
               <a:ext uri="{AF507438-7753-43e0-B8FC-AC1667EBCBE1}">
-                <a14:hiddenEffects xmlns:a14="http://schemas.microsoft.com/office/drawing/2010/main">
+                <a14:hiddenEffects xmlns:a14="http://schemas.microsoft.com/office/drawing/2010/main" xmlns="">
                   <a:effectLst>
                     <a:outerShdw blurRad="63500" dist="38099" dir="2700000" algn="ctr" rotWithShape="0">
                       <a:schemeClr val="bg2">
@@ -1682,7 +1698,7 @@
             <a:effectLst/>
             <a:extLst>
               <a:ext uri="{91240B29-F687-4f45-9708-019B960494DF}">
-                <a14:hiddenLine xmlns:a14="http://schemas.microsoft.com/office/drawing/2010/main" w="9525">
+                <a14:hiddenLine xmlns:a14="http://schemas.microsoft.com/office/drawing/2010/main" xmlns="" w="9525">
                   <a:solidFill>
                     <a:schemeClr val="tx1"/>
                   </a:solidFill>
@@ -1692,7 +1708,7 @@
                 </a14:hiddenLine>
               </a:ext>
               <a:ext uri="{AF507438-7753-43e0-B8FC-AC1667EBCBE1}">
-                <a14:hiddenEffects xmlns:a14="http://schemas.microsoft.com/office/drawing/2010/main">
+                <a14:hiddenEffects xmlns:a14="http://schemas.microsoft.com/office/drawing/2010/main" xmlns="">
                   <a:effectLst>
                     <a:outerShdw blurRad="63500" dist="38099" dir="2700000" algn="ctr" rotWithShape="0">
                       <a:schemeClr val="bg2">
@@ -1752,7 +1768,7 @@
             <a:effectLst/>
             <a:extLst>
               <a:ext uri="{91240B29-F687-4f45-9708-019B960494DF}">
-                <a14:hiddenLine xmlns:a14="http://schemas.microsoft.com/office/drawing/2010/main" w="9525">
+                <a14:hiddenLine xmlns:a14="http://schemas.microsoft.com/office/drawing/2010/main" xmlns="" w="9525">
                   <a:solidFill>
                     <a:schemeClr val="tx1"/>
                   </a:solidFill>
@@ -1762,7 +1778,7 @@
                 </a14:hiddenLine>
               </a:ext>
               <a:ext uri="{AF507438-7753-43e0-B8FC-AC1667EBCBE1}">
-                <a14:hiddenEffects xmlns:a14="http://schemas.microsoft.com/office/drawing/2010/main">
+                <a14:hiddenEffects xmlns:a14="http://schemas.microsoft.com/office/drawing/2010/main" xmlns="">
                   <a:effectLst>
                     <a:outerShdw blurRad="63500" dist="38099" dir="2700000" algn="ctr" rotWithShape="0">
                       <a:schemeClr val="bg2">
@@ -1822,7 +1838,7 @@
             <a:effectLst/>
             <a:extLst>
               <a:ext uri="{91240B29-F687-4f45-9708-019B960494DF}">
-                <a14:hiddenLine xmlns:a14="http://schemas.microsoft.com/office/drawing/2010/main" w="9525">
+                <a14:hiddenLine xmlns:a14="http://schemas.microsoft.com/office/drawing/2010/main" xmlns="" w="9525">
                   <a:solidFill>
                     <a:schemeClr val="tx1"/>
                   </a:solidFill>
@@ -1832,7 +1848,7 @@
                 </a14:hiddenLine>
               </a:ext>
               <a:ext uri="{AF507438-7753-43e0-B8FC-AC1667EBCBE1}">
-                <a14:hiddenEffects xmlns:a14="http://schemas.microsoft.com/office/drawing/2010/main">
+                <a14:hiddenEffects xmlns:a14="http://schemas.microsoft.com/office/drawing/2010/main" xmlns="">
                   <a:effectLst>
                     <a:outerShdw blurRad="63500" dist="38099" dir="2700000" algn="ctr" rotWithShape="0">
                       <a:schemeClr val="bg2">
@@ -1892,7 +1908,7 @@
             <a:effectLst/>
             <a:extLst>
               <a:ext uri="{91240B29-F687-4f45-9708-019B960494DF}">
-                <a14:hiddenLine xmlns:a14="http://schemas.microsoft.com/office/drawing/2010/main" w="9525">
+                <a14:hiddenLine xmlns:a14="http://schemas.microsoft.com/office/drawing/2010/main" xmlns="" w="9525">
                   <a:solidFill>
                     <a:schemeClr val="tx1"/>
                   </a:solidFill>
@@ -1902,7 +1918,7 @@
                 </a14:hiddenLine>
               </a:ext>
               <a:ext uri="{AF507438-7753-43e0-B8FC-AC1667EBCBE1}">
-                <a14:hiddenEffects xmlns:a14="http://schemas.microsoft.com/office/drawing/2010/main">
+                <a14:hiddenEffects xmlns:a14="http://schemas.microsoft.com/office/drawing/2010/main" xmlns="">
                   <a:effectLst>
                     <a:outerShdw blurRad="63500" dist="38099" dir="2700000" algn="ctr" rotWithShape="0">
                       <a:schemeClr val="bg2">
@@ -1962,7 +1978,7 @@
             <a:effectLst/>
             <a:extLst>
               <a:ext uri="{91240B29-F687-4f45-9708-019B960494DF}">
-                <a14:hiddenLine xmlns:a14="http://schemas.microsoft.com/office/drawing/2010/main" w="9525">
+                <a14:hiddenLine xmlns:a14="http://schemas.microsoft.com/office/drawing/2010/main" xmlns="" w="9525">
                   <a:solidFill>
                     <a:schemeClr val="tx1"/>
                   </a:solidFill>
@@ -1972,7 +1988,7 @@
                 </a14:hiddenLine>
               </a:ext>
               <a:ext uri="{AF507438-7753-43e0-B8FC-AC1667EBCBE1}">
-                <a14:hiddenEffects xmlns:a14="http://schemas.microsoft.com/office/drawing/2010/main">
+                <a14:hiddenEffects xmlns:a14="http://schemas.microsoft.com/office/drawing/2010/main" xmlns="">
                   <a:effectLst>
                     <a:outerShdw blurRad="63500" dist="38099" dir="2700000" algn="ctr" rotWithShape="0">
                       <a:schemeClr val="bg2">
@@ -2032,7 +2048,7 @@
             <a:effectLst/>
             <a:extLst>
               <a:ext uri="{91240B29-F687-4f45-9708-019B960494DF}">
-                <a14:hiddenLine xmlns:a14="http://schemas.microsoft.com/office/drawing/2010/main" w="9525">
+                <a14:hiddenLine xmlns:a14="http://schemas.microsoft.com/office/drawing/2010/main" xmlns="" w="9525">
                   <a:solidFill>
                     <a:schemeClr val="tx1"/>
                   </a:solidFill>
@@ -2042,7 +2058,7 @@
                 </a14:hiddenLine>
               </a:ext>
               <a:ext uri="{AF507438-7753-43e0-B8FC-AC1667EBCBE1}">
-                <a14:hiddenEffects xmlns:a14="http://schemas.microsoft.com/office/drawing/2010/main">
+                <a14:hiddenEffects xmlns:a14="http://schemas.microsoft.com/office/drawing/2010/main" xmlns="">
                   <a:effectLst>
                     <a:outerShdw blurRad="63500" dist="38099" dir="2700000" algn="ctr" rotWithShape="0">
                       <a:schemeClr val="bg2">
@@ -2102,7 +2118,7 @@
             <a:effectLst/>
             <a:extLst>
               <a:ext uri="{91240B29-F687-4f45-9708-019B960494DF}">
-                <a14:hiddenLine xmlns:a14="http://schemas.microsoft.com/office/drawing/2010/main" w="9525">
+                <a14:hiddenLine xmlns:a14="http://schemas.microsoft.com/office/drawing/2010/main" xmlns="" w="9525">
                   <a:solidFill>
                     <a:schemeClr val="tx1"/>
                   </a:solidFill>
@@ -2112,7 +2128,7 @@
                 </a14:hiddenLine>
               </a:ext>
               <a:ext uri="{AF507438-7753-43e0-B8FC-AC1667EBCBE1}">
-                <a14:hiddenEffects xmlns:a14="http://schemas.microsoft.com/office/drawing/2010/main">
+                <a14:hiddenEffects xmlns:a14="http://schemas.microsoft.com/office/drawing/2010/main" xmlns="">
                   <a:effectLst>
                     <a:outerShdw blurRad="63500" dist="38099" dir="2700000" algn="ctr" rotWithShape="0">
                       <a:schemeClr val="bg2">
@@ -2172,7 +2188,7 @@
             <a:effectLst/>
             <a:extLst>
               <a:ext uri="{91240B29-F687-4f45-9708-019B960494DF}">
-                <a14:hiddenLine xmlns:a14="http://schemas.microsoft.com/office/drawing/2010/main" w="9525">
+                <a14:hiddenLine xmlns:a14="http://schemas.microsoft.com/office/drawing/2010/main" xmlns="" w="9525">
                   <a:solidFill>
                     <a:schemeClr val="tx1"/>
                   </a:solidFill>
@@ -2182,7 +2198,7 @@
                 </a14:hiddenLine>
               </a:ext>
               <a:ext uri="{AF507438-7753-43e0-B8FC-AC1667EBCBE1}">
-                <a14:hiddenEffects xmlns:a14="http://schemas.microsoft.com/office/drawing/2010/main">
+                <a14:hiddenEffects xmlns:a14="http://schemas.microsoft.com/office/drawing/2010/main" xmlns="">
                   <a:effectLst>
                     <a:outerShdw blurRad="63500" dist="38099" dir="2700000" algn="ctr" rotWithShape="0">
                       <a:schemeClr val="bg2">
@@ -2242,7 +2258,7 @@
             <a:effectLst/>
             <a:extLst>
               <a:ext uri="{91240B29-F687-4f45-9708-019B960494DF}">
-                <a14:hiddenLine xmlns:a14="http://schemas.microsoft.com/office/drawing/2010/main" w="9525">
+                <a14:hiddenLine xmlns:a14="http://schemas.microsoft.com/office/drawing/2010/main" xmlns="" w="9525">
                   <a:solidFill>
                     <a:schemeClr val="tx1"/>
                   </a:solidFill>
@@ -2252,7 +2268,7 @@
                 </a14:hiddenLine>
               </a:ext>
               <a:ext uri="{AF507438-7753-43e0-B8FC-AC1667EBCBE1}">
-                <a14:hiddenEffects xmlns:a14="http://schemas.microsoft.com/office/drawing/2010/main">
+                <a14:hiddenEffects xmlns:a14="http://schemas.microsoft.com/office/drawing/2010/main" xmlns="">
                   <a:effectLst>
                     <a:outerShdw blurRad="63500" dist="38099" dir="2700000" algn="ctr" rotWithShape="0">
                       <a:schemeClr val="bg2">
@@ -2312,7 +2328,7 @@
             <a:effectLst/>
             <a:extLst>
               <a:ext uri="{91240B29-F687-4f45-9708-019B960494DF}">
-                <a14:hiddenLine xmlns:a14="http://schemas.microsoft.com/office/drawing/2010/main" w="9525">
+                <a14:hiddenLine xmlns:a14="http://schemas.microsoft.com/office/drawing/2010/main" xmlns="" w="9525">
                   <a:solidFill>
                     <a:schemeClr val="tx1"/>
                   </a:solidFill>
@@ -2322,7 +2338,7 @@
                 </a14:hiddenLine>
               </a:ext>
               <a:ext uri="{AF507438-7753-43e0-B8FC-AC1667EBCBE1}">
-                <a14:hiddenEffects xmlns:a14="http://schemas.microsoft.com/office/drawing/2010/main">
+                <a14:hiddenEffects xmlns:a14="http://schemas.microsoft.com/office/drawing/2010/main" xmlns="">
                   <a:effectLst>
                     <a:outerShdw blurRad="63500" dist="38099" dir="2700000" algn="ctr" rotWithShape="0">
                       <a:schemeClr val="bg2">
@@ -2382,7 +2398,7 @@
             <a:effectLst/>
             <a:extLst>
               <a:ext uri="{91240B29-F687-4f45-9708-019B960494DF}">
-                <a14:hiddenLine xmlns:a14="http://schemas.microsoft.com/office/drawing/2010/main" w="9525">
+                <a14:hiddenLine xmlns:a14="http://schemas.microsoft.com/office/drawing/2010/main" xmlns="" w="9525">
                   <a:solidFill>
                     <a:schemeClr val="tx1"/>
                   </a:solidFill>
@@ -2392,7 +2408,7 @@
                 </a14:hiddenLine>
               </a:ext>
               <a:ext uri="{AF507438-7753-43e0-B8FC-AC1667EBCBE1}">
-                <a14:hiddenEffects xmlns:a14="http://schemas.microsoft.com/office/drawing/2010/main">
+                <a14:hiddenEffects xmlns:a14="http://schemas.microsoft.com/office/drawing/2010/main" xmlns="">
                   <a:effectLst>
                     <a:outerShdw blurRad="63500" dist="38099" dir="2700000" algn="ctr" rotWithShape="0">
                       <a:schemeClr val="bg2">
@@ -2452,7 +2468,7 @@
             <a:effectLst/>
             <a:extLst>
               <a:ext uri="{91240B29-F687-4f45-9708-019B960494DF}">
-                <a14:hiddenLine xmlns:a14="http://schemas.microsoft.com/office/drawing/2010/main" w="9525">
+                <a14:hiddenLine xmlns:a14="http://schemas.microsoft.com/office/drawing/2010/main" xmlns="" w="9525">
                   <a:solidFill>
                     <a:schemeClr val="tx1"/>
                   </a:solidFill>
@@ -2462,7 +2478,7 @@
                 </a14:hiddenLine>
               </a:ext>
               <a:ext uri="{AF507438-7753-43e0-B8FC-AC1667EBCBE1}">
-                <a14:hiddenEffects xmlns:a14="http://schemas.microsoft.com/office/drawing/2010/main">
+                <a14:hiddenEffects xmlns:a14="http://schemas.microsoft.com/office/drawing/2010/main" xmlns="">
                   <a:effectLst>
                     <a:outerShdw blurRad="63500" dist="38099" dir="2700000" algn="ctr" rotWithShape="0">
                       <a:schemeClr val="bg2">
@@ -2522,7 +2538,7 @@
             <a:effectLst/>
             <a:extLst>
               <a:ext uri="{91240B29-F687-4f45-9708-019B960494DF}">
-                <a14:hiddenLine xmlns:a14="http://schemas.microsoft.com/office/drawing/2010/main" w="9525">
+                <a14:hiddenLine xmlns:a14="http://schemas.microsoft.com/office/drawing/2010/main" xmlns="" w="9525">
                   <a:solidFill>
                     <a:schemeClr val="tx1"/>
                   </a:solidFill>
@@ -2532,7 +2548,7 @@
                 </a14:hiddenLine>
               </a:ext>
               <a:ext uri="{AF507438-7753-43e0-B8FC-AC1667EBCBE1}">
-                <a14:hiddenEffects xmlns:a14="http://schemas.microsoft.com/office/drawing/2010/main">
+                <a14:hiddenEffects xmlns:a14="http://schemas.microsoft.com/office/drawing/2010/main" xmlns="">
                   <a:effectLst>
                     <a:outerShdw blurRad="63500" dist="38099" dir="2700000" algn="ctr" rotWithShape="0">
                       <a:schemeClr val="bg2">
@@ -2592,7 +2608,7 @@
             <a:effectLst/>
             <a:extLst>
               <a:ext uri="{91240B29-F687-4f45-9708-019B960494DF}">
-                <a14:hiddenLine xmlns:a14="http://schemas.microsoft.com/office/drawing/2010/main" w="9525">
+                <a14:hiddenLine xmlns:a14="http://schemas.microsoft.com/office/drawing/2010/main" xmlns="" w="9525">
                   <a:solidFill>
                     <a:schemeClr val="tx1"/>
                   </a:solidFill>
@@ -2602,7 +2618,7 @@
                 </a14:hiddenLine>
               </a:ext>
               <a:ext uri="{AF507438-7753-43e0-B8FC-AC1667EBCBE1}">
-                <a14:hiddenEffects xmlns:a14="http://schemas.microsoft.com/office/drawing/2010/main">
+                <a14:hiddenEffects xmlns:a14="http://schemas.microsoft.com/office/drawing/2010/main" xmlns="">
                   <a:effectLst>
                     <a:outerShdw blurRad="63500" dist="38099" dir="2700000" algn="ctr" rotWithShape="0">
                       <a:schemeClr val="bg2">
@@ -2662,7 +2678,7 @@
             <a:effectLst/>
             <a:extLst>
               <a:ext uri="{91240B29-F687-4f45-9708-019B960494DF}">
-                <a14:hiddenLine xmlns:a14="http://schemas.microsoft.com/office/drawing/2010/main" w="9525">
+                <a14:hiddenLine xmlns:a14="http://schemas.microsoft.com/office/drawing/2010/main" xmlns="" w="9525">
                   <a:solidFill>
                     <a:schemeClr val="tx1"/>
                   </a:solidFill>
@@ -2672,7 +2688,7 @@
                 </a14:hiddenLine>
               </a:ext>
               <a:ext uri="{AF507438-7753-43e0-B8FC-AC1667EBCBE1}">
-                <a14:hiddenEffects xmlns:a14="http://schemas.microsoft.com/office/drawing/2010/main">
+                <a14:hiddenEffects xmlns:a14="http://schemas.microsoft.com/office/drawing/2010/main" xmlns="">
                   <a:effectLst>
                     <a:outerShdw blurRad="63500" dist="38099" dir="2700000" algn="ctr" rotWithShape="0">
                       <a:schemeClr val="bg2">
@@ -2732,7 +2748,7 @@
             <a:effectLst/>
             <a:extLst>
               <a:ext uri="{91240B29-F687-4f45-9708-019B960494DF}">
-                <a14:hiddenLine xmlns:a14="http://schemas.microsoft.com/office/drawing/2010/main" w="9525">
+                <a14:hiddenLine xmlns:a14="http://schemas.microsoft.com/office/drawing/2010/main" xmlns="" w="9525">
                   <a:solidFill>
                     <a:schemeClr val="tx1"/>
                   </a:solidFill>
@@ -2742,7 +2758,7 @@
                 </a14:hiddenLine>
               </a:ext>
               <a:ext uri="{AF507438-7753-43e0-B8FC-AC1667EBCBE1}">
-                <a14:hiddenEffects xmlns:a14="http://schemas.microsoft.com/office/drawing/2010/main">
+                <a14:hiddenEffects xmlns:a14="http://schemas.microsoft.com/office/drawing/2010/main" xmlns="">
                   <a:effectLst>
                     <a:outerShdw blurRad="63500" dist="38099" dir="2700000" algn="ctr" rotWithShape="0">
                       <a:schemeClr val="bg2">
@@ -2802,7 +2818,7 @@
             <a:effectLst/>
             <a:extLst>
               <a:ext uri="{91240B29-F687-4f45-9708-019B960494DF}">
-                <a14:hiddenLine xmlns:a14="http://schemas.microsoft.com/office/drawing/2010/main" w="9525">
+                <a14:hiddenLine xmlns:a14="http://schemas.microsoft.com/office/drawing/2010/main" xmlns="" w="9525">
                   <a:solidFill>
                     <a:schemeClr val="tx1"/>
                   </a:solidFill>
@@ -2812,7 +2828,7 @@
                 </a14:hiddenLine>
               </a:ext>
               <a:ext uri="{AF507438-7753-43e0-B8FC-AC1667EBCBE1}">
-                <a14:hiddenEffects xmlns:a14="http://schemas.microsoft.com/office/drawing/2010/main">
+                <a14:hiddenEffects xmlns:a14="http://schemas.microsoft.com/office/drawing/2010/main" xmlns="">
                   <a:effectLst>
                     <a:outerShdw blurRad="63500" dist="38099" dir="2700000" algn="ctr" rotWithShape="0">
                       <a:schemeClr val="bg2">
@@ -2872,7 +2888,7 @@
             <a:effectLst/>
             <a:extLst>
               <a:ext uri="{91240B29-F687-4f45-9708-019B960494DF}">
-                <a14:hiddenLine xmlns:a14="http://schemas.microsoft.com/office/drawing/2010/main" w="9525">
+                <a14:hiddenLine xmlns:a14="http://schemas.microsoft.com/office/drawing/2010/main" xmlns="" w="9525">
                   <a:solidFill>
                     <a:schemeClr val="tx1"/>
                   </a:solidFill>
@@ -2882,7 +2898,7 @@
                 </a14:hiddenLine>
               </a:ext>
               <a:ext uri="{AF507438-7753-43e0-B8FC-AC1667EBCBE1}">
-                <a14:hiddenEffects xmlns:a14="http://schemas.microsoft.com/office/drawing/2010/main">
+                <a14:hiddenEffects xmlns:a14="http://schemas.microsoft.com/office/drawing/2010/main" xmlns="">
                   <a:effectLst>
                     <a:outerShdw blurRad="63500" dist="38099" dir="2700000" algn="ctr" rotWithShape="0">
                       <a:schemeClr val="bg2">
@@ -2942,7 +2958,7 @@
             <a:effectLst/>
             <a:extLst>
               <a:ext uri="{91240B29-F687-4f45-9708-019B960494DF}">
-                <a14:hiddenLine xmlns:a14="http://schemas.microsoft.com/office/drawing/2010/main" w="9525">
+                <a14:hiddenLine xmlns:a14="http://schemas.microsoft.com/office/drawing/2010/main" xmlns="" w="9525">
                   <a:solidFill>
                     <a:schemeClr val="tx1"/>
                   </a:solidFill>
@@ -2952,7 +2968,7 @@
                 </a14:hiddenLine>
               </a:ext>
               <a:ext uri="{AF507438-7753-43e0-B8FC-AC1667EBCBE1}">
-                <a14:hiddenEffects xmlns:a14="http://schemas.microsoft.com/office/drawing/2010/main">
+                <a14:hiddenEffects xmlns:a14="http://schemas.microsoft.com/office/drawing/2010/main" xmlns="">
                   <a:effectLst>
                     <a:outerShdw blurRad="63500" dist="38099" dir="2700000" algn="ctr" rotWithShape="0">
                       <a:schemeClr val="bg2">
@@ -3012,7 +3028,7 @@
             <a:effectLst/>
             <a:extLst>
               <a:ext uri="{91240B29-F687-4f45-9708-019B960494DF}">
-                <a14:hiddenLine xmlns:a14="http://schemas.microsoft.com/office/drawing/2010/main" w="9525">
+                <a14:hiddenLine xmlns:a14="http://schemas.microsoft.com/office/drawing/2010/main" xmlns="" w="9525">
                   <a:solidFill>
                     <a:schemeClr val="tx1"/>
                   </a:solidFill>
@@ -3022,7 +3038,7 @@
                 </a14:hiddenLine>
               </a:ext>
               <a:ext uri="{AF507438-7753-43e0-B8FC-AC1667EBCBE1}">
-                <a14:hiddenEffects xmlns:a14="http://schemas.microsoft.com/office/drawing/2010/main">
+                <a14:hiddenEffects xmlns:a14="http://schemas.microsoft.com/office/drawing/2010/main" xmlns="">
                   <a:effectLst>
                     <a:outerShdw blurRad="63500" dist="38099" dir="2700000" algn="ctr" rotWithShape="0">
                       <a:schemeClr val="bg2">
@@ -3082,7 +3098,7 @@
             <a:effectLst/>
             <a:extLst>
               <a:ext uri="{91240B29-F687-4f45-9708-019B960494DF}">
-                <a14:hiddenLine xmlns:a14="http://schemas.microsoft.com/office/drawing/2010/main" w="9525">
+                <a14:hiddenLine xmlns:a14="http://schemas.microsoft.com/office/drawing/2010/main" xmlns="" w="9525">
                   <a:solidFill>
                     <a:schemeClr val="tx1"/>
                   </a:solidFill>
@@ -3092,7 +3108,7 @@
                 </a14:hiddenLine>
               </a:ext>
               <a:ext uri="{AF507438-7753-43e0-B8FC-AC1667EBCBE1}">
-                <a14:hiddenEffects xmlns:a14="http://schemas.microsoft.com/office/drawing/2010/main">
+                <a14:hiddenEffects xmlns:a14="http://schemas.microsoft.com/office/drawing/2010/main" xmlns="">
                   <a:effectLst>
                     <a:outerShdw blurRad="63500" dist="38099" dir="2700000" algn="ctr" rotWithShape="0">
                       <a:schemeClr val="bg2">
@@ -3156,12 +3172,12 @@
           <a:effectLst/>
           <a:extLst>
             <a:ext uri="{909E8E84-426E-40dd-AFC4-6F175D3DCCD1}">
-              <a14:hiddenFill xmlns:a14="http://schemas.microsoft.com/office/drawing/2010/main">
+              <a14:hiddenFill xmlns:a14="http://schemas.microsoft.com/office/drawing/2010/main" xmlns="">
                 <a:noFill/>
               </a14:hiddenFill>
             </a:ext>
             <a:ext uri="{AF507438-7753-43e0-B8FC-AC1667EBCBE1}">
-              <a14:hiddenEffects xmlns:a14="http://schemas.microsoft.com/office/drawing/2010/main">
+              <a14:hiddenEffects xmlns:a14="http://schemas.microsoft.com/office/drawing/2010/main" xmlns="">
                 <a:effectLst>
                   <a:outerShdw blurRad="63500" dist="38099" dir="2700000" algn="ctr" rotWithShape="0">
                     <a:schemeClr val="bg2">
@@ -3209,7 +3225,7 @@
   <p:timing>
     <p:tnLst>
       <p:par>
-        <p:cTn xmlns:p14="http://schemas.microsoft.com/office/powerpoint/2010/main" id="1" dur="indefinite" restart="never" nodeType="tmRoot"/>
+        <p:cTn id="1" dur="indefinite" restart="never" nodeType="tmRoot"/>
       </p:par>
     </p:tnLst>
   </p:timing>
@@ -5067,7 +5083,7 @@
           <a:p>
             <a:fld id="{46B215DF-9304-D749-9E36-45FCEA760741}" type="datetimeFigureOut">
               <a:rPr lang="en-US" smtClean="0"/>
-              <a:t>5/23/17</a:t>
+              <a:t>9/12/17</a:t>
             </a:fld>
             <a:endParaRPr lang="en-US"/>
           </a:p>
@@ -5991,7 +6007,7 @@
           <a:p>
             <a:fld id="{46B215DF-9304-D749-9E36-45FCEA760741}" type="datetimeFigureOut">
               <a:rPr lang="en-US" smtClean="0"/>
-              <a:t>5/23/17</a:t>
+              <a:t>9/12/17</a:t>
             </a:fld>
             <a:endParaRPr lang="en-US"/>
           </a:p>
@@ -6279,7 +6295,7 @@
           <a:p>
             <a:fld id="{46B215DF-9304-D749-9E36-45FCEA760741}" type="datetimeFigureOut">
               <a:rPr lang="en-US" smtClean="0"/>
-              <a:t>5/23/17</a:t>
+              <a:t>9/12/17</a:t>
             </a:fld>
             <a:endParaRPr lang="en-US"/>
           </a:p>
@@ -6701,7 +6717,7 @@
           <a:p>
             <a:fld id="{46B215DF-9304-D749-9E36-45FCEA760741}" type="datetimeFigureOut">
               <a:rPr lang="en-US" smtClean="0"/>
-              <a:t>5/23/17</a:t>
+              <a:t>9/12/17</a:t>
             </a:fld>
             <a:endParaRPr lang="en-US"/>
           </a:p>
@@ -6819,7 +6835,7 @@
           <a:p>
             <a:fld id="{46B215DF-9304-D749-9E36-45FCEA760741}" type="datetimeFigureOut">
               <a:rPr lang="en-US" smtClean="0"/>
-              <a:t>5/23/17</a:t>
+              <a:t>9/12/17</a:t>
             </a:fld>
             <a:endParaRPr lang="en-US"/>
           </a:p>
@@ -6914,7 +6930,7 @@
           <a:p>
             <a:fld id="{46B215DF-9304-D749-9E36-45FCEA760741}" type="datetimeFigureOut">
               <a:rPr lang="en-US" smtClean="0"/>
-              <a:t>5/23/17</a:t>
+              <a:t>9/12/17</a:t>
             </a:fld>
             <a:endParaRPr lang="en-US"/>
           </a:p>
@@ -7191,7 +7207,7 @@
           <a:p>
             <a:fld id="{46B215DF-9304-D749-9E36-45FCEA760741}" type="datetimeFigureOut">
               <a:rPr lang="en-US" smtClean="0"/>
-              <a:t>5/23/17</a:t>
+              <a:t>9/12/17</a:t>
             </a:fld>
             <a:endParaRPr lang="en-US"/>
           </a:p>
@@ -7448,7 +7464,7 @@
           <a:p>
             <a:fld id="{46B215DF-9304-D749-9E36-45FCEA760741}" type="datetimeFigureOut">
               <a:rPr lang="en-US" smtClean="0"/>
-              <a:t>5/23/17</a:t>
+              <a:t>9/12/17</a:t>
             </a:fld>
             <a:endParaRPr lang="en-US"/>
           </a:p>
@@ -7661,7 +7677,7 @@
           <a:p>
             <a:fld id="{46B215DF-9304-D749-9E36-45FCEA760741}" type="datetimeFigureOut">
               <a:rPr lang="en-US" smtClean="0"/>
-              <a:t>5/23/17</a:t>
+              <a:t>9/12/17</a:t>
             </a:fld>
             <a:endParaRPr lang="en-US"/>
           </a:p>
@@ -8072,12 +8088,12 @@
           <a:effectLst/>
           <a:extLst>
             <a:ext uri="{909E8E84-426E-40dd-AFC4-6F175D3DCCD1}">
-              <a14:hiddenFill xmlns:a14="http://schemas.microsoft.com/office/drawing/2010/main">
+              <a14:hiddenFill xmlns:a14="http://schemas.microsoft.com/office/drawing/2010/main" xmlns="">
                 <a:noFill/>
               </a14:hiddenFill>
             </a:ext>
             <a:ext uri="{AF507438-7753-43e0-B8FC-AC1667EBCBE1}">
-              <a14:hiddenEffects xmlns:a14="http://schemas.microsoft.com/office/drawing/2010/main">
+              <a14:hiddenEffects xmlns:a14="http://schemas.microsoft.com/office/drawing/2010/main" xmlns="">
                 <a:effectLst>
                   <a:outerShdw blurRad="63500" dist="38099" dir="2700000" algn="ctr" rotWithShape="0">
                     <a:schemeClr val="bg2">
@@ -8136,15 +8152,18 @@
           </a:ln>
           <a:effectLst/>
           <a:extLst>
+            <a:ext uri="{FAA26D3D-D897-4be2-8F04-BA451C77F1D7}">
+              <ma14:placeholderFlag xmlns:ma14="http://schemas.microsoft.com/office/mac/drawingml/2011/main" val="1"/>
+            </a:ext>
             <a:ext uri="{909E8E84-426E-40dd-AFC4-6F175D3DCCD1}">
-              <a14:hiddenFill xmlns:a14="http://schemas.microsoft.com/office/drawing/2010/main">
+              <a14:hiddenFill xmlns:a14="http://schemas.microsoft.com/office/drawing/2010/main" xmlns="">
                 <a:solidFill>
                   <a:schemeClr val="accent1"/>
                 </a:solidFill>
               </a14:hiddenFill>
             </a:ext>
             <a:ext uri="{91240B29-F687-4f45-9708-019B960494DF}">
-              <a14:hiddenLine xmlns:a14="http://schemas.microsoft.com/office/drawing/2010/main" w="9525">
+              <a14:hiddenLine xmlns:a14="http://schemas.microsoft.com/office/drawing/2010/main" xmlns="" w="9525">
                 <a:solidFill>
                   <a:schemeClr val="tx1"/>
                 </a:solidFill>
@@ -8154,7 +8173,7 @@
               </a14:hiddenLine>
             </a:ext>
             <a:ext uri="{AF507438-7753-43e0-B8FC-AC1667EBCBE1}">
-              <a14:hiddenEffects xmlns:a14="http://schemas.microsoft.com/office/drawing/2010/main">
+              <a14:hiddenEffects xmlns:a14="http://schemas.microsoft.com/office/drawing/2010/main" xmlns="">
                 <a:effectLst>
                   <a:outerShdw blurRad="63500" dist="38099" dir="2700000" algn="ctr" rotWithShape="0">
                     <a:schemeClr val="bg2">
@@ -8163,9 +8182,6 @@
                   </a:outerShdw>
                 </a:effectLst>
               </a14:hiddenEffects>
-            </a:ext>
-            <a:ext uri="{FAA26D3D-D897-4be2-8F04-BA451C77F1D7}">
-              <ma14:placeholderFlag xmlns:ma14="http://schemas.microsoft.com/office/mac/drawingml/2011/main" val="1"/>
             </a:ext>
           </a:extLst>
         </p:spPr>
@@ -8209,15 +8225,18 @@
           </a:ln>
           <a:effectLst/>
           <a:extLst>
+            <a:ext uri="{FAA26D3D-D897-4be2-8F04-BA451C77F1D7}">
+              <ma14:placeholderFlag xmlns:ma14="http://schemas.microsoft.com/office/mac/drawingml/2011/main" val="1"/>
+            </a:ext>
             <a:ext uri="{909E8E84-426E-40dd-AFC4-6F175D3DCCD1}">
-              <a14:hiddenFill xmlns:a14="http://schemas.microsoft.com/office/drawing/2010/main">
+              <a14:hiddenFill xmlns:a14="http://schemas.microsoft.com/office/drawing/2010/main" xmlns="">
                 <a:solidFill>
                   <a:schemeClr val="accent1"/>
                 </a:solidFill>
               </a14:hiddenFill>
             </a:ext>
             <a:ext uri="{91240B29-F687-4f45-9708-019B960494DF}">
-              <a14:hiddenLine xmlns:a14="http://schemas.microsoft.com/office/drawing/2010/main" w="9525">
+              <a14:hiddenLine xmlns:a14="http://schemas.microsoft.com/office/drawing/2010/main" xmlns="" w="9525">
                 <a:solidFill>
                   <a:schemeClr val="tx1"/>
                 </a:solidFill>
@@ -8227,7 +8246,7 @@
               </a14:hiddenLine>
             </a:ext>
             <a:ext uri="{AF507438-7753-43e0-B8FC-AC1667EBCBE1}">
-              <a14:hiddenEffects xmlns:a14="http://schemas.microsoft.com/office/drawing/2010/main">
+              <a14:hiddenEffects xmlns:a14="http://schemas.microsoft.com/office/drawing/2010/main" xmlns="">
                 <a:effectLst>
                   <a:outerShdw blurRad="63500" dist="38099" dir="2700000" algn="ctr" rotWithShape="0">
                     <a:schemeClr val="bg2">
@@ -8236,9 +8255,6 @@
                   </a:outerShdw>
                 </a:effectLst>
               </a14:hiddenEffects>
-            </a:ext>
-            <a:ext uri="{FAA26D3D-D897-4be2-8F04-BA451C77F1D7}">
-              <ma14:placeholderFlag xmlns:ma14="http://schemas.microsoft.com/office/mac/drawingml/2011/main" val="1"/>
             </a:ext>
           </a:extLst>
         </p:spPr>
@@ -8310,15 +8326,18 @@
           </a:ln>
           <a:effectLst/>
           <a:extLst>
+            <a:ext uri="{FAA26D3D-D897-4be2-8F04-BA451C77F1D7}">
+              <ma14:placeholderFlag xmlns:ma14="http://schemas.microsoft.com/office/mac/drawingml/2011/main" val="1"/>
+            </a:ext>
             <a:ext uri="{909E8E84-426E-40dd-AFC4-6F175D3DCCD1}">
-              <a14:hiddenFill xmlns:a14="http://schemas.microsoft.com/office/drawing/2010/main">
+              <a14:hiddenFill xmlns:a14="http://schemas.microsoft.com/office/drawing/2010/main" xmlns="">
                 <a:solidFill>
                   <a:schemeClr val="accent1"/>
                 </a:solidFill>
               </a14:hiddenFill>
             </a:ext>
             <a:ext uri="{91240B29-F687-4f45-9708-019B960494DF}">
-              <a14:hiddenLine xmlns:a14="http://schemas.microsoft.com/office/drawing/2010/main" w="9525">
+              <a14:hiddenLine xmlns:a14="http://schemas.microsoft.com/office/drawing/2010/main" xmlns="" w="9525">
                 <a:solidFill>
                   <a:schemeClr val="tx1"/>
                 </a:solidFill>
@@ -8328,7 +8347,7 @@
               </a14:hiddenLine>
             </a:ext>
             <a:ext uri="{AF507438-7753-43e0-B8FC-AC1667EBCBE1}">
-              <a14:hiddenEffects xmlns:a14="http://schemas.microsoft.com/office/drawing/2010/main">
+              <a14:hiddenEffects xmlns:a14="http://schemas.microsoft.com/office/drawing/2010/main" xmlns="">
                 <a:effectLst>
                   <a:outerShdw blurRad="63500" dist="38099" dir="2700000" algn="ctr" rotWithShape="0">
                     <a:schemeClr val="bg2">
@@ -8337,9 +8356,6 @@
                   </a:outerShdw>
                 </a:effectLst>
               </a14:hiddenEffects>
-            </a:ext>
-            <a:ext uri="{FAA26D3D-D897-4be2-8F04-BA451C77F1D7}">
-              <ma14:placeholderFlag xmlns:ma14="http://schemas.microsoft.com/office/mac/drawingml/2011/main" val="1"/>
             </a:ext>
           </a:extLst>
         </p:spPr>
@@ -8398,15 +8414,18 @@
           </a:ln>
           <a:effectLst/>
           <a:extLst>
+            <a:ext uri="{FAA26D3D-D897-4be2-8F04-BA451C77F1D7}">
+              <ma14:placeholderFlag xmlns:ma14="http://schemas.microsoft.com/office/mac/drawingml/2011/main" val="1"/>
+            </a:ext>
             <a:ext uri="{909E8E84-426E-40dd-AFC4-6F175D3DCCD1}">
-              <a14:hiddenFill xmlns:a14="http://schemas.microsoft.com/office/drawing/2010/main">
+              <a14:hiddenFill xmlns:a14="http://schemas.microsoft.com/office/drawing/2010/main" xmlns="">
                 <a:solidFill>
                   <a:schemeClr val="accent1"/>
                 </a:solidFill>
               </a14:hiddenFill>
             </a:ext>
             <a:ext uri="{91240B29-F687-4f45-9708-019B960494DF}">
-              <a14:hiddenLine xmlns:a14="http://schemas.microsoft.com/office/drawing/2010/main" w="9525">
+              <a14:hiddenLine xmlns:a14="http://schemas.microsoft.com/office/drawing/2010/main" xmlns="" w="9525">
                 <a:solidFill>
                   <a:schemeClr val="tx1"/>
                 </a:solidFill>
@@ -8416,7 +8435,7 @@
               </a14:hiddenLine>
             </a:ext>
             <a:ext uri="{AF507438-7753-43e0-B8FC-AC1667EBCBE1}">
-              <a14:hiddenEffects xmlns:a14="http://schemas.microsoft.com/office/drawing/2010/main">
+              <a14:hiddenEffects xmlns:a14="http://schemas.microsoft.com/office/drawing/2010/main" xmlns="">
                 <a:effectLst>
                   <a:outerShdw blurRad="63500" dist="38099" dir="2700000" algn="ctr" rotWithShape="0">
                     <a:schemeClr val="bg2">
@@ -8425,9 +8444,6 @@
                   </a:outerShdw>
                 </a:effectLst>
               </a14:hiddenEffects>
-            </a:ext>
-            <a:ext uri="{FAA26D3D-D897-4be2-8F04-BA451C77F1D7}">
-              <ma14:placeholderFlag xmlns:ma14="http://schemas.microsoft.com/office/mac/drawingml/2011/main" val="1"/>
             </a:ext>
           </a:extLst>
         </p:spPr>
@@ -8486,15 +8502,18 @@
           </a:ln>
           <a:effectLst/>
           <a:extLst>
+            <a:ext uri="{FAA26D3D-D897-4be2-8F04-BA451C77F1D7}">
+              <ma14:placeholderFlag xmlns:ma14="http://schemas.microsoft.com/office/mac/drawingml/2011/main" val="1"/>
+            </a:ext>
             <a:ext uri="{909E8E84-426E-40dd-AFC4-6F175D3DCCD1}">
-              <a14:hiddenFill xmlns:a14="http://schemas.microsoft.com/office/drawing/2010/main">
+              <a14:hiddenFill xmlns:a14="http://schemas.microsoft.com/office/drawing/2010/main" xmlns="">
                 <a:solidFill>
                   <a:schemeClr val="accent1"/>
                 </a:solidFill>
               </a14:hiddenFill>
             </a:ext>
             <a:ext uri="{91240B29-F687-4f45-9708-019B960494DF}">
-              <a14:hiddenLine xmlns:a14="http://schemas.microsoft.com/office/drawing/2010/main" w="9525">
+              <a14:hiddenLine xmlns:a14="http://schemas.microsoft.com/office/drawing/2010/main" xmlns="" w="9525">
                 <a:solidFill>
                   <a:schemeClr val="tx1"/>
                 </a:solidFill>
@@ -8504,7 +8523,7 @@
               </a14:hiddenLine>
             </a:ext>
             <a:ext uri="{AF507438-7753-43e0-B8FC-AC1667EBCBE1}">
-              <a14:hiddenEffects xmlns:a14="http://schemas.microsoft.com/office/drawing/2010/main">
+              <a14:hiddenEffects xmlns:a14="http://schemas.microsoft.com/office/drawing/2010/main" xmlns="">
                 <a:effectLst>
                   <a:outerShdw blurRad="63500" dist="38099" dir="2700000" algn="ctr" rotWithShape="0">
                     <a:schemeClr val="bg2">
@@ -8513,9 +8532,6 @@
                   </a:outerShdw>
                 </a:effectLst>
               </a14:hiddenEffects>
-            </a:ext>
-            <a:ext uri="{FAA26D3D-D897-4be2-8F04-BA451C77F1D7}">
-              <ma14:placeholderFlag xmlns:ma14="http://schemas.microsoft.com/office/mac/drawingml/2011/main" val="1"/>
             </a:ext>
           </a:extLst>
         </p:spPr>
@@ -8610,7 +8626,7 @@
             <a:effectLst/>
             <a:extLst>
               <a:ext uri="{91240B29-F687-4f45-9708-019B960494DF}">
-                <a14:hiddenLine xmlns:a14="http://schemas.microsoft.com/office/drawing/2010/main" w="9525">
+                <a14:hiddenLine xmlns:a14="http://schemas.microsoft.com/office/drawing/2010/main" xmlns="" w="9525">
                   <a:solidFill>
                     <a:schemeClr val="tx1"/>
                   </a:solidFill>
@@ -8620,7 +8636,7 @@
                 </a14:hiddenLine>
               </a:ext>
               <a:ext uri="{AF507438-7753-43e0-B8FC-AC1667EBCBE1}">
-                <a14:hiddenEffects xmlns:a14="http://schemas.microsoft.com/office/drawing/2010/main">
+                <a14:hiddenEffects xmlns:a14="http://schemas.microsoft.com/office/drawing/2010/main" xmlns="">
                   <a:effectLst>
                     <a:outerShdw blurRad="63500" dist="38099" dir="2700000" algn="ctr" rotWithShape="0">
                       <a:schemeClr val="bg2">
@@ -8680,7 +8696,7 @@
             <a:effectLst/>
             <a:extLst>
               <a:ext uri="{91240B29-F687-4f45-9708-019B960494DF}">
-                <a14:hiddenLine xmlns:a14="http://schemas.microsoft.com/office/drawing/2010/main" w="9525">
+                <a14:hiddenLine xmlns:a14="http://schemas.microsoft.com/office/drawing/2010/main" xmlns="" w="9525">
                   <a:solidFill>
                     <a:schemeClr val="tx1"/>
                   </a:solidFill>
@@ -8690,7 +8706,7 @@
                 </a14:hiddenLine>
               </a:ext>
               <a:ext uri="{AF507438-7753-43e0-B8FC-AC1667EBCBE1}">
-                <a14:hiddenEffects xmlns:a14="http://schemas.microsoft.com/office/drawing/2010/main">
+                <a14:hiddenEffects xmlns:a14="http://schemas.microsoft.com/office/drawing/2010/main" xmlns="">
                   <a:effectLst>
                     <a:outerShdw blurRad="63500" dist="38099" dir="2700000" algn="ctr" rotWithShape="0">
                       <a:schemeClr val="bg2">
@@ -8750,7 +8766,7 @@
             <a:effectLst/>
             <a:extLst>
               <a:ext uri="{91240B29-F687-4f45-9708-019B960494DF}">
-                <a14:hiddenLine xmlns:a14="http://schemas.microsoft.com/office/drawing/2010/main" w="9525">
+                <a14:hiddenLine xmlns:a14="http://schemas.microsoft.com/office/drawing/2010/main" xmlns="" w="9525">
                   <a:solidFill>
                     <a:schemeClr val="tx1"/>
                   </a:solidFill>
@@ -8760,7 +8776,7 @@
                 </a14:hiddenLine>
               </a:ext>
               <a:ext uri="{AF507438-7753-43e0-B8FC-AC1667EBCBE1}">
-                <a14:hiddenEffects xmlns:a14="http://schemas.microsoft.com/office/drawing/2010/main">
+                <a14:hiddenEffects xmlns:a14="http://schemas.microsoft.com/office/drawing/2010/main" xmlns="">
                   <a:effectLst>
                     <a:outerShdw blurRad="63500" dist="38099" dir="2700000" algn="ctr" rotWithShape="0">
                       <a:schemeClr val="bg2">
@@ -8820,7 +8836,7 @@
             <a:effectLst/>
             <a:extLst>
               <a:ext uri="{91240B29-F687-4f45-9708-019B960494DF}">
-                <a14:hiddenLine xmlns:a14="http://schemas.microsoft.com/office/drawing/2010/main" w="9525">
+                <a14:hiddenLine xmlns:a14="http://schemas.microsoft.com/office/drawing/2010/main" xmlns="" w="9525">
                   <a:solidFill>
                     <a:schemeClr val="tx1"/>
                   </a:solidFill>
@@ -8830,7 +8846,7 @@
                 </a14:hiddenLine>
               </a:ext>
               <a:ext uri="{AF507438-7753-43e0-B8FC-AC1667EBCBE1}">
-                <a14:hiddenEffects xmlns:a14="http://schemas.microsoft.com/office/drawing/2010/main">
+                <a14:hiddenEffects xmlns:a14="http://schemas.microsoft.com/office/drawing/2010/main" xmlns="">
                   <a:effectLst>
                     <a:outerShdw blurRad="63500" dist="38099" dir="2700000" algn="ctr" rotWithShape="0">
                       <a:schemeClr val="bg2">
@@ -8890,7 +8906,7 @@
             <a:effectLst/>
             <a:extLst>
               <a:ext uri="{91240B29-F687-4f45-9708-019B960494DF}">
-                <a14:hiddenLine xmlns:a14="http://schemas.microsoft.com/office/drawing/2010/main" w="9525">
+                <a14:hiddenLine xmlns:a14="http://schemas.microsoft.com/office/drawing/2010/main" xmlns="" w="9525">
                   <a:solidFill>
                     <a:schemeClr val="tx1"/>
                   </a:solidFill>
@@ -8900,7 +8916,7 @@
                 </a14:hiddenLine>
               </a:ext>
               <a:ext uri="{AF507438-7753-43e0-B8FC-AC1667EBCBE1}">
-                <a14:hiddenEffects xmlns:a14="http://schemas.microsoft.com/office/drawing/2010/main">
+                <a14:hiddenEffects xmlns:a14="http://schemas.microsoft.com/office/drawing/2010/main" xmlns="">
                   <a:effectLst>
                     <a:outerShdw blurRad="63500" dist="38099" dir="2700000" algn="ctr" rotWithShape="0">
                       <a:schemeClr val="bg2">
@@ -8960,7 +8976,7 @@
             <a:effectLst/>
             <a:extLst>
               <a:ext uri="{91240B29-F687-4f45-9708-019B960494DF}">
-                <a14:hiddenLine xmlns:a14="http://schemas.microsoft.com/office/drawing/2010/main" w="9525">
+                <a14:hiddenLine xmlns:a14="http://schemas.microsoft.com/office/drawing/2010/main" xmlns="" w="9525">
                   <a:solidFill>
                     <a:schemeClr val="tx1"/>
                   </a:solidFill>
@@ -8970,7 +8986,7 @@
                 </a14:hiddenLine>
               </a:ext>
               <a:ext uri="{AF507438-7753-43e0-B8FC-AC1667EBCBE1}">
-                <a14:hiddenEffects xmlns:a14="http://schemas.microsoft.com/office/drawing/2010/main">
+                <a14:hiddenEffects xmlns:a14="http://schemas.microsoft.com/office/drawing/2010/main" xmlns="">
                   <a:effectLst>
                     <a:outerShdw blurRad="63500" dist="38099" dir="2700000" algn="ctr" rotWithShape="0">
                       <a:schemeClr val="bg2">
@@ -9030,7 +9046,7 @@
             <a:effectLst/>
             <a:extLst>
               <a:ext uri="{91240B29-F687-4f45-9708-019B960494DF}">
-                <a14:hiddenLine xmlns:a14="http://schemas.microsoft.com/office/drawing/2010/main" w="9525">
+                <a14:hiddenLine xmlns:a14="http://schemas.microsoft.com/office/drawing/2010/main" xmlns="" w="9525">
                   <a:solidFill>
                     <a:schemeClr val="tx1"/>
                   </a:solidFill>
@@ -9040,7 +9056,7 @@
                 </a14:hiddenLine>
               </a:ext>
               <a:ext uri="{AF507438-7753-43e0-B8FC-AC1667EBCBE1}">
-                <a14:hiddenEffects xmlns:a14="http://schemas.microsoft.com/office/drawing/2010/main">
+                <a14:hiddenEffects xmlns:a14="http://schemas.microsoft.com/office/drawing/2010/main" xmlns="">
                   <a:effectLst>
                     <a:outerShdw blurRad="63500" dist="38099" dir="2700000" algn="ctr" rotWithShape="0">
                       <a:schemeClr val="bg2">
@@ -9100,7 +9116,7 @@
             <a:effectLst/>
             <a:extLst>
               <a:ext uri="{91240B29-F687-4f45-9708-019B960494DF}">
-                <a14:hiddenLine xmlns:a14="http://schemas.microsoft.com/office/drawing/2010/main" w="9525">
+                <a14:hiddenLine xmlns:a14="http://schemas.microsoft.com/office/drawing/2010/main" xmlns="" w="9525">
                   <a:solidFill>
                     <a:schemeClr val="tx1"/>
                   </a:solidFill>
@@ -9110,7 +9126,7 @@
                 </a14:hiddenLine>
               </a:ext>
               <a:ext uri="{AF507438-7753-43e0-B8FC-AC1667EBCBE1}">
-                <a14:hiddenEffects xmlns:a14="http://schemas.microsoft.com/office/drawing/2010/main">
+                <a14:hiddenEffects xmlns:a14="http://schemas.microsoft.com/office/drawing/2010/main" xmlns="">
                   <a:effectLst>
                     <a:outerShdw blurRad="63500" dist="38099" dir="2700000" algn="ctr" rotWithShape="0">
                       <a:schemeClr val="bg2">
@@ -9170,7 +9186,7 @@
             <a:effectLst/>
             <a:extLst>
               <a:ext uri="{91240B29-F687-4f45-9708-019B960494DF}">
-                <a14:hiddenLine xmlns:a14="http://schemas.microsoft.com/office/drawing/2010/main" w="9525">
+                <a14:hiddenLine xmlns:a14="http://schemas.microsoft.com/office/drawing/2010/main" xmlns="" w="9525">
                   <a:solidFill>
                     <a:schemeClr val="tx1"/>
                   </a:solidFill>
@@ -9180,7 +9196,7 @@
                 </a14:hiddenLine>
               </a:ext>
               <a:ext uri="{AF507438-7753-43e0-B8FC-AC1667EBCBE1}">
-                <a14:hiddenEffects xmlns:a14="http://schemas.microsoft.com/office/drawing/2010/main">
+                <a14:hiddenEffects xmlns:a14="http://schemas.microsoft.com/office/drawing/2010/main" xmlns="">
                   <a:effectLst>
                     <a:outerShdw blurRad="63500" dist="38099" dir="2700000" algn="ctr" rotWithShape="0">
                       <a:schemeClr val="bg2">
@@ -9240,7 +9256,7 @@
             <a:effectLst/>
             <a:extLst>
               <a:ext uri="{91240B29-F687-4f45-9708-019B960494DF}">
-                <a14:hiddenLine xmlns:a14="http://schemas.microsoft.com/office/drawing/2010/main" w="9525">
+                <a14:hiddenLine xmlns:a14="http://schemas.microsoft.com/office/drawing/2010/main" xmlns="" w="9525">
                   <a:solidFill>
                     <a:schemeClr val="tx1"/>
                   </a:solidFill>
@@ -9250,7 +9266,7 @@
                 </a14:hiddenLine>
               </a:ext>
               <a:ext uri="{AF507438-7753-43e0-B8FC-AC1667EBCBE1}">
-                <a14:hiddenEffects xmlns:a14="http://schemas.microsoft.com/office/drawing/2010/main">
+                <a14:hiddenEffects xmlns:a14="http://schemas.microsoft.com/office/drawing/2010/main" xmlns="">
                   <a:effectLst>
                     <a:outerShdw blurRad="63500" dist="38099" dir="2700000" algn="ctr" rotWithShape="0">
                       <a:schemeClr val="bg2">
@@ -9310,7 +9326,7 @@
             <a:effectLst/>
             <a:extLst>
               <a:ext uri="{91240B29-F687-4f45-9708-019B960494DF}">
-                <a14:hiddenLine xmlns:a14="http://schemas.microsoft.com/office/drawing/2010/main" w="9525">
+                <a14:hiddenLine xmlns:a14="http://schemas.microsoft.com/office/drawing/2010/main" xmlns="" w="9525">
                   <a:solidFill>
                     <a:schemeClr val="tx1"/>
                   </a:solidFill>
@@ -9320,7 +9336,7 @@
                 </a14:hiddenLine>
               </a:ext>
               <a:ext uri="{AF507438-7753-43e0-B8FC-AC1667EBCBE1}">
-                <a14:hiddenEffects xmlns:a14="http://schemas.microsoft.com/office/drawing/2010/main">
+                <a14:hiddenEffects xmlns:a14="http://schemas.microsoft.com/office/drawing/2010/main" xmlns="">
                   <a:effectLst>
                     <a:outerShdw blurRad="63500" dist="38099" dir="2700000" algn="ctr" rotWithShape="0">
                       <a:schemeClr val="bg2">
@@ -9380,7 +9396,7 @@
             <a:effectLst/>
             <a:extLst>
               <a:ext uri="{91240B29-F687-4f45-9708-019B960494DF}">
-                <a14:hiddenLine xmlns:a14="http://schemas.microsoft.com/office/drawing/2010/main" w="9525">
+                <a14:hiddenLine xmlns:a14="http://schemas.microsoft.com/office/drawing/2010/main" xmlns="" w="9525">
                   <a:solidFill>
                     <a:schemeClr val="tx1"/>
                   </a:solidFill>
@@ -9390,7 +9406,7 @@
                 </a14:hiddenLine>
               </a:ext>
               <a:ext uri="{AF507438-7753-43e0-B8FC-AC1667EBCBE1}">
-                <a14:hiddenEffects xmlns:a14="http://schemas.microsoft.com/office/drawing/2010/main">
+                <a14:hiddenEffects xmlns:a14="http://schemas.microsoft.com/office/drawing/2010/main" xmlns="">
                   <a:effectLst>
                     <a:outerShdw blurRad="63500" dist="38099" dir="2700000" algn="ctr" rotWithShape="0">
                       <a:schemeClr val="bg2">
@@ -9450,7 +9466,7 @@
             <a:effectLst/>
             <a:extLst>
               <a:ext uri="{91240B29-F687-4f45-9708-019B960494DF}">
-                <a14:hiddenLine xmlns:a14="http://schemas.microsoft.com/office/drawing/2010/main" w="9525">
+                <a14:hiddenLine xmlns:a14="http://schemas.microsoft.com/office/drawing/2010/main" xmlns="" w="9525">
                   <a:solidFill>
                     <a:schemeClr val="tx1"/>
                   </a:solidFill>
@@ -9460,7 +9476,7 @@
                 </a14:hiddenLine>
               </a:ext>
               <a:ext uri="{AF507438-7753-43e0-B8FC-AC1667EBCBE1}">
-                <a14:hiddenEffects xmlns:a14="http://schemas.microsoft.com/office/drawing/2010/main">
+                <a14:hiddenEffects xmlns:a14="http://schemas.microsoft.com/office/drawing/2010/main" xmlns="">
                   <a:effectLst>
                     <a:outerShdw blurRad="63500" dist="38099" dir="2700000" algn="ctr" rotWithShape="0">
                       <a:schemeClr val="bg2">
@@ -9520,7 +9536,7 @@
             <a:effectLst/>
             <a:extLst>
               <a:ext uri="{91240B29-F687-4f45-9708-019B960494DF}">
-                <a14:hiddenLine xmlns:a14="http://schemas.microsoft.com/office/drawing/2010/main" w="9525">
+                <a14:hiddenLine xmlns:a14="http://schemas.microsoft.com/office/drawing/2010/main" xmlns="" w="9525">
                   <a:solidFill>
                     <a:schemeClr val="tx1"/>
                   </a:solidFill>
@@ -9530,7 +9546,7 @@
                 </a14:hiddenLine>
               </a:ext>
               <a:ext uri="{AF507438-7753-43e0-B8FC-AC1667EBCBE1}">
-                <a14:hiddenEffects xmlns:a14="http://schemas.microsoft.com/office/drawing/2010/main">
+                <a14:hiddenEffects xmlns:a14="http://schemas.microsoft.com/office/drawing/2010/main" xmlns="">
                   <a:effectLst>
                     <a:outerShdw blurRad="63500" dist="38099" dir="2700000" algn="ctr" rotWithShape="0">
                       <a:schemeClr val="bg2">
@@ -9590,7 +9606,7 @@
             <a:effectLst/>
             <a:extLst>
               <a:ext uri="{91240B29-F687-4f45-9708-019B960494DF}">
-                <a14:hiddenLine xmlns:a14="http://schemas.microsoft.com/office/drawing/2010/main" w="9525">
+                <a14:hiddenLine xmlns:a14="http://schemas.microsoft.com/office/drawing/2010/main" xmlns="" w="9525">
                   <a:solidFill>
                     <a:schemeClr val="tx1"/>
                   </a:solidFill>
@@ -9600,7 +9616,7 @@
                 </a14:hiddenLine>
               </a:ext>
               <a:ext uri="{AF507438-7753-43e0-B8FC-AC1667EBCBE1}">
-                <a14:hiddenEffects xmlns:a14="http://schemas.microsoft.com/office/drawing/2010/main">
+                <a14:hiddenEffects xmlns:a14="http://schemas.microsoft.com/office/drawing/2010/main" xmlns="">
                   <a:effectLst>
                     <a:outerShdw blurRad="63500" dist="38099" dir="2700000" algn="ctr" rotWithShape="0">
                       <a:schemeClr val="bg2">
@@ -9660,7 +9676,7 @@
             <a:effectLst/>
             <a:extLst>
               <a:ext uri="{91240B29-F687-4f45-9708-019B960494DF}">
-                <a14:hiddenLine xmlns:a14="http://schemas.microsoft.com/office/drawing/2010/main" w="9525">
+                <a14:hiddenLine xmlns:a14="http://schemas.microsoft.com/office/drawing/2010/main" xmlns="" w="9525">
                   <a:solidFill>
                     <a:schemeClr val="tx1"/>
                   </a:solidFill>
@@ -9670,7 +9686,7 @@
                 </a14:hiddenLine>
               </a:ext>
               <a:ext uri="{AF507438-7753-43e0-B8FC-AC1667EBCBE1}">
-                <a14:hiddenEffects xmlns:a14="http://schemas.microsoft.com/office/drawing/2010/main">
+                <a14:hiddenEffects xmlns:a14="http://schemas.microsoft.com/office/drawing/2010/main" xmlns="">
                   <a:effectLst>
                     <a:outerShdw blurRad="63500" dist="38099" dir="2700000" algn="ctr" rotWithShape="0">
                       <a:schemeClr val="bg2">
@@ -9730,7 +9746,7 @@
             <a:effectLst/>
             <a:extLst>
               <a:ext uri="{91240B29-F687-4f45-9708-019B960494DF}">
-                <a14:hiddenLine xmlns:a14="http://schemas.microsoft.com/office/drawing/2010/main" w="9525">
+                <a14:hiddenLine xmlns:a14="http://schemas.microsoft.com/office/drawing/2010/main" xmlns="" w="9525">
                   <a:solidFill>
                     <a:schemeClr val="tx1"/>
                   </a:solidFill>
@@ -9740,7 +9756,7 @@
                 </a14:hiddenLine>
               </a:ext>
               <a:ext uri="{AF507438-7753-43e0-B8FC-AC1667EBCBE1}">
-                <a14:hiddenEffects xmlns:a14="http://schemas.microsoft.com/office/drawing/2010/main">
+                <a14:hiddenEffects xmlns:a14="http://schemas.microsoft.com/office/drawing/2010/main" xmlns="">
                   <a:effectLst>
                     <a:outerShdw blurRad="63500" dist="38099" dir="2700000" algn="ctr" rotWithShape="0">
                       <a:schemeClr val="bg2">
@@ -9800,7 +9816,7 @@
             <a:effectLst/>
             <a:extLst>
               <a:ext uri="{91240B29-F687-4f45-9708-019B960494DF}">
-                <a14:hiddenLine xmlns:a14="http://schemas.microsoft.com/office/drawing/2010/main" w="9525">
+                <a14:hiddenLine xmlns:a14="http://schemas.microsoft.com/office/drawing/2010/main" xmlns="" w="9525">
                   <a:solidFill>
                     <a:schemeClr val="tx1"/>
                   </a:solidFill>
@@ -9810,7 +9826,7 @@
                 </a14:hiddenLine>
               </a:ext>
               <a:ext uri="{AF507438-7753-43e0-B8FC-AC1667EBCBE1}">
-                <a14:hiddenEffects xmlns:a14="http://schemas.microsoft.com/office/drawing/2010/main">
+                <a14:hiddenEffects xmlns:a14="http://schemas.microsoft.com/office/drawing/2010/main" xmlns="">
                   <a:effectLst>
                     <a:outerShdw blurRad="63500" dist="38099" dir="2700000" algn="ctr" rotWithShape="0">
                       <a:schemeClr val="bg2">
@@ -9870,7 +9886,7 @@
             <a:effectLst/>
             <a:extLst>
               <a:ext uri="{91240B29-F687-4f45-9708-019B960494DF}">
-                <a14:hiddenLine xmlns:a14="http://schemas.microsoft.com/office/drawing/2010/main" w="9525">
+                <a14:hiddenLine xmlns:a14="http://schemas.microsoft.com/office/drawing/2010/main" xmlns="" w="9525">
                   <a:solidFill>
                     <a:schemeClr val="tx1"/>
                   </a:solidFill>
@@ -9880,7 +9896,7 @@
                 </a14:hiddenLine>
               </a:ext>
               <a:ext uri="{AF507438-7753-43e0-B8FC-AC1667EBCBE1}">
-                <a14:hiddenEffects xmlns:a14="http://schemas.microsoft.com/office/drawing/2010/main">
+                <a14:hiddenEffects xmlns:a14="http://schemas.microsoft.com/office/drawing/2010/main" xmlns="">
                   <a:effectLst>
                     <a:outerShdw blurRad="63500" dist="38099" dir="2700000" algn="ctr" rotWithShape="0">
                       <a:schemeClr val="bg2">
@@ -9940,7 +9956,7 @@
             <a:effectLst/>
             <a:extLst>
               <a:ext uri="{91240B29-F687-4f45-9708-019B960494DF}">
-                <a14:hiddenLine xmlns:a14="http://schemas.microsoft.com/office/drawing/2010/main" w="9525">
+                <a14:hiddenLine xmlns:a14="http://schemas.microsoft.com/office/drawing/2010/main" xmlns="" w="9525">
                   <a:solidFill>
                     <a:schemeClr val="tx1"/>
                   </a:solidFill>
@@ -9950,7 +9966,7 @@
                 </a14:hiddenLine>
               </a:ext>
               <a:ext uri="{AF507438-7753-43e0-B8FC-AC1667EBCBE1}">
-                <a14:hiddenEffects xmlns:a14="http://schemas.microsoft.com/office/drawing/2010/main">
+                <a14:hiddenEffects xmlns:a14="http://schemas.microsoft.com/office/drawing/2010/main" xmlns="">
                   <a:effectLst>
                     <a:outerShdw blurRad="63500" dist="38099" dir="2700000" algn="ctr" rotWithShape="0">
                       <a:schemeClr val="bg2">
@@ -10010,7 +10026,7 @@
             <a:effectLst/>
             <a:extLst>
               <a:ext uri="{91240B29-F687-4f45-9708-019B960494DF}">
-                <a14:hiddenLine xmlns:a14="http://schemas.microsoft.com/office/drawing/2010/main" w="9525">
+                <a14:hiddenLine xmlns:a14="http://schemas.microsoft.com/office/drawing/2010/main" xmlns="" w="9525">
                   <a:solidFill>
                     <a:schemeClr val="tx1"/>
                   </a:solidFill>
@@ -10020,7 +10036,7 @@
                 </a14:hiddenLine>
               </a:ext>
               <a:ext uri="{AF507438-7753-43e0-B8FC-AC1667EBCBE1}">
-                <a14:hiddenEffects xmlns:a14="http://schemas.microsoft.com/office/drawing/2010/main">
+                <a14:hiddenEffects xmlns:a14="http://schemas.microsoft.com/office/drawing/2010/main" xmlns="">
                   <a:effectLst>
                     <a:outerShdw blurRad="63500" dist="38099" dir="2700000" algn="ctr" rotWithShape="0">
                       <a:schemeClr val="bg2">
@@ -10080,7 +10096,7 @@
             <a:effectLst/>
             <a:extLst>
               <a:ext uri="{91240B29-F687-4f45-9708-019B960494DF}">
-                <a14:hiddenLine xmlns:a14="http://schemas.microsoft.com/office/drawing/2010/main" w="9525">
+                <a14:hiddenLine xmlns:a14="http://schemas.microsoft.com/office/drawing/2010/main" xmlns="" w="9525">
                   <a:solidFill>
                     <a:schemeClr val="tx1"/>
                   </a:solidFill>
@@ -10090,7 +10106,7 @@
                 </a14:hiddenLine>
               </a:ext>
               <a:ext uri="{AF507438-7753-43e0-B8FC-AC1667EBCBE1}">
-                <a14:hiddenEffects xmlns:a14="http://schemas.microsoft.com/office/drawing/2010/main">
+                <a14:hiddenEffects xmlns:a14="http://schemas.microsoft.com/office/drawing/2010/main" xmlns="">
                   <a:effectLst>
                     <a:outerShdw blurRad="63500" dist="38099" dir="2700000" algn="ctr" rotWithShape="0">
                       <a:schemeClr val="bg2">
@@ -10150,7 +10166,7 @@
             <a:effectLst/>
             <a:extLst>
               <a:ext uri="{91240B29-F687-4f45-9708-019B960494DF}">
-                <a14:hiddenLine xmlns:a14="http://schemas.microsoft.com/office/drawing/2010/main" w="9525">
+                <a14:hiddenLine xmlns:a14="http://schemas.microsoft.com/office/drawing/2010/main" xmlns="" w="9525">
                   <a:solidFill>
                     <a:schemeClr val="tx1"/>
                   </a:solidFill>
@@ -10160,7 +10176,7 @@
                 </a14:hiddenLine>
               </a:ext>
               <a:ext uri="{AF507438-7753-43e0-B8FC-AC1667EBCBE1}">
-                <a14:hiddenEffects xmlns:a14="http://schemas.microsoft.com/office/drawing/2010/main">
+                <a14:hiddenEffects xmlns:a14="http://schemas.microsoft.com/office/drawing/2010/main" xmlns="">
                   <a:effectLst>
                     <a:outerShdw blurRad="63500" dist="38099" dir="2700000" algn="ctr" rotWithShape="0">
                       <a:schemeClr val="bg2">
@@ -10220,7 +10236,7 @@
             <a:effectLst/>
             <a:extLst>
               <a:ext uri="{91240B29-F687-4f45-9708-019B960494DF}">
-                <a14:hiddenLine xmlns:a14="http://schemas.microsoft.com/office/drawing/2010/main" w="9525">
+                <a14:hiddenLine xmlns:a14="http://schemas.microsoft.com/office/drawing/2010/main" xmlns="" w="9525">
                   <a:solidFill>
                     <a:schemeClr val="tx1"/>
                   </a:solidFill>
@@ -10230,7 +10246,7 @@
                 </a14:hiddenLine>
               </a:ext>
               <a:ext uri="{AF507438-7753-43e0-B8FC-AC1667EBCBE1}">
-                <a14:hiddenEffects xmlns:a14="http://schemas.microsoft.com/office/drawing/2010/main">
+                <a14:hiddenEffects xmlns:a14="http://schemas.microsoft.com/office/drawing/2010/main" xmlns="">
                   <a:effectLst>
                     <a:outerShdw blurRad="63500" dist="38099" dir="2700000" algn="ctr" rotWithShape="0">
                       <a:schemeClr val="bg2">
@@ -10290,7 +10306,7 @@
             <a:effectLst/>
             <a:extLst>
               <a:ext uri="{91240B29-F687-4f45-9708-019B960494DF}">
-                <a14:hiddenLine xmlns:a14="http://schemas.microsoft.com/office/drawing/2010/main" w="9525">
+                <a14:hiddenLine xmlns:a14="http://schemas.microsoft.com/office/drawing/2010/main" xmlns="" w="9525">
                   <a:solidFill>
                     <a:schemeClr val="tx1"/>
                   </a:solidFill>
@@ -10300,7 +10316,7 @@
                 </a14:hiddenLine>
               </a:ext>
               <a:ext uri="{AF507438-7753-43e0-B8FC-AC1667EBCBE1}">
-                <a14:hiddenEffects xmlns:a14="http://schemas.microsoft.com/office/drawing/2010/main">
+                <a14:hiddenEffects xmlns:a14="http://schemas.microsoft.com/office/drawing/2010/main" xmlns="">
                   <a:effectLst>
                     <a:outerShdw blurRad="63500" dist="38099" dir="2700000" algn="ctr" rotWithShape="0">
                       <a:schemeClr val="bg2">
@@ -10360,7 +10376,7 @@
             <a:effectLst/>
             <a:extLst>
               <a:ext uri="{91240B29-F687-4f45-9708-019B960494DF}">
-                <a14:hiddenLine xmlns:a14="http://schemas.microsoft.com/office/drawing/2010/main" w="9525">
+                <a14:hiddenLine xmlns:a14="http://schemas.microsoft.com/office/drawing/2010/main" xmlns="" w="9525">
                   <a:solidFill>
                     <a:schemeClr val="tx1"/>
                   </a:solidFill>
@@ -10370,7 +10386,7 @@
                 </a14:hiddenLine>
               </a:ext>
               <a:ext uri="{AF507438-7753-43e0-B8FC-AC1667EBCBE1}">
-                <a14:hiddenEffects xmlns:a14="http://schemas.microsoft.com/office/drawing/2010/main">
+                <a14:hiddenEffects xmlns:a14="http://schemas.microsoft.com/office/drawing/2010/main" xmlns="">
                   <a:effectLst>
                     <a:outerShdw blurRad="63500" dist="38099" dir="2700000" algn="ctr" rotWithShape="0">
                       <a:schemeClr val="bg2">
@@ -10430,7 +10446,7 @@
             <a:effectLst/>
             <a:extLst>
               <a:ext uri="{91240B29-F687-4f45-9708-019B960494DF}">
-                <a14:hiddenLine xmlns:a14="http://schemas.microsoft.com/office/drawing/2010/main" w="9525">
+                <a14:hiddenLine xmlns:a14="http://schemas.microsoft.com/office/drawing/2010/main" xmlns="" w="9525">
                   <a:solidFill>
                     <a:schemeClr val="tx1"/>
                   </a:solidFill>
@@ -10440,7 +10456,7 @@
                 </a14:hiddenLine>
               </a:ext>
               <a:ext uri="{AF507438-7753-43e0-B8FC-AC1667EBCBE1}">
-                <a14:hiddenEffects xmlns:a14="http://schemas.microsoft.com/office/drawing/2010/main">
+                <a14:hiddenEffects xmlns:a14="http://schemas.microsoft.com/office/drawing/2010/main" xmlns="">
                   <a:effectLst>
                     <a:outerShdw blurRad="63500" dist="38099" dir="2700000" algn="ctr" rotWithShape="0">
                       <a:schemeClr val="bg2">
@@ -10500,7 +10516,7 @@
             <a:effectLst/>
             <a:extLst>
               <a:ext uri="{91240B29-F687-4f45-9708-019B960494DF}">
-                <a14:hiddenLine xmlns:a14="http://schemas.microsoft.com/office/drawing/2010/main" w="9525">
+                <a14:hiddenLine xmlns:a14="http://schemas.microsoft.com/office/drawing/2010/main" xmlns="" w="9525">
                   <a:solidFill>
                     <a:schemeClr val="tx1"/>
                   </a:solidFill>
@@ -10510,7 +10526,7 @@
                 </a14:hiddenLine>
               </a:ext>
               <a:ext uri="{AF507438-7753-43e0-B8FC-AC1667EBCBE1}">
-                <a14:hiddenEffects xmlns:a14="http://schemas.microsoft.com/office/drawing/2010/main">
+                <a14:hiddenEffects xmlns:a14="http://schemas.microsoft.com/office/drawing/2010/main" xmlns="">
                   <a:effectLst>
                     <a:outerShdw blurRad="63500" dist="38099" dir="2700000" algn="ctr" rotWithShape="0">
                       <a:schemeClr val="bg2">
@@ -10570,7 +10586,7 @@
             <a:effectLst/>
             <a:extLst>
               <a:ext uri="{91240B29-F687-4f45-9708-019B960494DF}">
-                <a14:hiddenLine xmlns:a14="http://schemas.microsoft.com/office/drawing/2010/main" w="9525">
+                <a14:hiddenLine xmlns:a14="http://schemas.microsoft.com/office/drawing/2010/main" xmlns="" w="9525">
                   <a:solidFill>
                     <a:schemeClr val="tx1"/>
                   </a:solidFill>
@@ -10580,7 +10596,7 @@
                 </a14:hiddenLine>
               </a:ext>
               <a:ext uri="{AF507438-7753-43e0-B8FC-AC1667EBCBE1}">
-                <a14:hiddenEffects xmlns:a14="http://schemas.microsoft.com/office/drawing/2010/main">
+                <a14:hiddenEffects xmlns:a14="http://schemas.microsoft.com/office/drawing/2010/main" xmlns="">
                   <a:effectLst>
                     <a:outerShdw blurRad="63500" dist="38099" dir="2700000" algn="ctr" rotWithShape="0">
                       <a:schemeClr val="bg2">
@@ -10640,7 +10656,7 @@
             <a:effectLst/>
             <a:extLst>
               <a:ext uri="{91240B29-F687-4f45-9708-019B960494DF}">
-                <a14:hiddenLine xmlns:a14="http://schemas.microsoft.com/office/drawing/2010/main" w="9525">
+                <a14:hiddenLine xmlns:a14="http://schemas.microsoft.com/office/drawing/2010/main" xmlns="" w="9525">
                   <a:solidFill>
                     <a:schemeClr val="tx1"/>
                   </a:solidFill>
@@ -10650,7 +10666,7 @@
                 </a14:hiddenLine>
               </a:ext>
               <a:ext uri="{AF507438-7753-43e0-B8FC-AC1667EBCBE1}">
-                <a14:hiddenEffects xmlns:a14="http://schemas.microsoft.com/office/drawing/2010/main">
+                <a14:hiddenEffects xmlns:a14="http://schemas.microsoft.com/office/drawing/2010/main" xmlns="">
                   <a:effectLst>
                     <a:outerShdw blurRad="63500" dist="38099" dir="2700000" algn="ctr" rotWithShape="0">
                       <a:schemeClr val="bg2">
@@ -10710,7 +10726,7 @@
             <a:effectLst/>
             <a:extLst>
               <a:ext uri="{91240B29-F687-4f45-9708-019B960494DF}">
-                <a14:hiddenLine xmlns:a14="http://schemas.microsoft.com/office/drawing/2010/main" w="9525">
+                <a14:hiddenLine xmlns:a14="http://schemas.microsoft.com/office/drawing/2010/main" xmlns="" w="9525">
                   <a:solidFill>
                     <a:schemeClr val="tx1"/>
                   </a:solidFill>
@@ -10720,7 +10736,7 @@
                 </a14:hiddenLine>
               </a:ext>
               <a:ext uri="{AF507438-7753-43e0-B8FC-AC1667EBCBE1}">
-                <a14:hiddenEffects xmlns:a14="http://schemas.microsoft.com/office/drawing/2010/main">
+                <a14:hiddenEffects xmlns:a14="http://schemas.microsoft.com/office/drawing/2010/main" xmlns="">
                   <a:effectLst>
                     <a:outerShdw blurRad="63500" dist="38099" dir="2700000" algn="ctr" rotWithShape="0">
                       <a:schemeClr val="bg2">
@@ -10780,7 +10796,7 @@
   <p:timing>
     <p:tnLst>
       <p:par>
-        <p:cTn xmlns:p14="http://schemas.microsoft.com/office/powerpoint/2010/main" id="1" dur="indefinite" restart="never" nodeType="tmRoot"/>
+        <p:cTn id="1" dur="indefinite" restart="never" nodeType="tmRoot"/>
       </p:par>
     </p:tnLst>
   </p:timing>
@@ -11409,7 +11425,7 @@
             <a:effectLst/>
             <a:extLst>
               <a:ext uri="{AF507438-7753-43e0-B8FC-AC1667EBCBE1}">
-                <a14:hiddenEffects xmlns:a14="http://schemas.microsoft.com/office/drawing/2010/main">
+                <a14:hiddenEffects xmlns:a14="http://schemas.microsoft.com/office/drawing/2010/main" xmlns="">
                   <a:effectLst>
                     <a:outerShdw blurRad="63500" dist="38099" dir="2700000" algn="ctr" rotWithShape="0">
                       <a:schemeClr val="bg2">
@@ -11451,7 +11467,7 @@
             <a:effectLst/>
             <a:extLst>
               <a:ext uri="{AF507438-7753-43e0-B8FC-AC1667EBCBE1}">
-                <a14:hiddenEffects xmlns:a14="http://schemas.microsoft.com/office/drawing/2010/main">
+                <a14:hiddenEffects xmlns:a14="http://schemas.microsoft.com/office/drawing/2010/main" xmlns="">
                   <a:effectLst>
                     <a:outerShdw blurRad="63500" dist="38099" dir="2700000" algn="ctr" rotWithShape="0">
                       <a:schemeClr val="bg2">
@@ -11493,7 +11509,7 @@
             <a:effectLst/>
             <a:extLst>
               <a:ext uri="{AF507438-7753-43e0-B8FC-AC1667EBCBE1}">
-                <a14:hiddenEffects xmlns:a14="http://schemas.microsoft.com/office/drawing/2010/main">
+                <a14:hiddenEffects xmlns:a14="http://schemas.microsoft.com/office/drawing/2010/main" xmlns="">
                   <a:effectLst>
                     <a:outerShdw blurRad="63500" dist="38099" dir="2700000" algn="ctr" rotWithShape="0">
                       <a:schemeClr val="bg2">
@@ -11535,7 +11551,7 @@
             <a:effectLst/>
             <a:extLst>
               <a:ext uri="{AF507438-7753-43e0-B8FC-AC1667EBCBE1}">
-                <a14:hiddenEffects xmlns:a14="http://schemas.microsoft.com/office/drawing/2010/main">
+                <a14:hiddenEffects xmlns:a14="http://schemas.microsoft.com/office/drawing/2010/main" xmlns="">
                   <a:effectLst>
                     <a:outerShdw blurRad="63500" dist="38099" dir="2700000" algn="ctr" rotWithShape="0">
                       <a:schemeClr val="bg2">
@@ -11577,7 +11593,7 @@
             <a:effectLst/>
             <a:extLst>
               <a:ext uri="{AF507438-7753-43e0-B8FC-AC1667EBCBE1}">
-                <a14:hiddenEffects xmlns:a14="http://schemas.microsoft.com/office/drawing/2010/main">
+                <a14:hiddenEffects xmlns:a14="http://schemas.microsoft.com/office/drawing/2010/main" xmlns="">
                   <a:effectLst>
                     <a:outerShdw blurRad="63500" dist="38099" dir="2700000" algn="ctr" rotWithShape="0">
                       <a:schemeClr val="bg2">
@@ -11619,7 +11635,7 @@
             <a:effectLst/>
             <a:extLst>
               <a:ext uri="{AF507438-7753-43e0-B8FC-AC1667EBCBE1}">
-                <a14:hiddenEffects xmlns:a14="http://schemas.microsoft.com/office/drawing/2010/main">
+                <a14:hiddenEffects xmlns:a14="http://schemas.microsoft.com/office/drawing/2010/main" xmlns="">
                   <a:effectLst>
                     <a:outerShdw blurRad="63500" dist="38099" dir="2700000" algn="ctr" rotWithShape="0">
                       <a:schemeClr val="bg2">
@@ -11661,7 +11677,7 @@
             <a:effectLst/>
             <a:extLst>
               <a:ext uri="{AF507438-7753-43e0-B8FC-AC1667EBCBE1}">
-                <a14:hiddenEffects xmlns:a14="http://schemas.microsoft.com/office/drawing/2010/main">
+                <a14:hiddenEffects xmlns:a14="http://schemas.microsoft.com/office/drawing/2010/main" xmlns="">
                   <a:effectLst>
                     <a:outerShdw blurRad="63500" dist="38099" dir="2700000" algn="ctr" rotWithShape="0">
                       <a:schemeClr val="bg2">
@@ -11703,7 +11719,7 @@
             <a:effectLst/>
             <a:extLst>
               <a:ext uri="{AF507438-7753-43e0-B8FC-AC1667EBCBE1}">
-                <a14:hiddenEffects xmlns:a14="http://schemas.microsoft.com/office/drawing/2010/main">
+                <a14:hiddenEffects xmlns:a14="http://schemas.microsoft.com/office/drawing/2010/main" xmlns="">
                   <a:effectLst>
                     <a:outerShdw blurRad="63500" dist="38099" dir="2700000" algn="ctr" rotWithShape="0">
                       <a:schemeClr val="bg2">
@@ -11760,7 +11776,7 @@
             </a:ln>
             <a:extLst>
               <a:ext uri="{909E8E84-426E-40dd-AFC4-6F175D3DCCD1}">
-                <a14:hiddenFill xmlns:a14="http://schemas.microsoft.com/office/drawing/2010/main">
+                <a14:hiddenFill xmlns:a14="http://schemas.microsoft.com/office/drawing/2010/main" xmlns="">
                   <a:solidFill>
                     <a:schemeClr val="accent1"/>
                   </a:solidFill>
@@ -11798,14 +11814,14 @@
             </a:ln>
             <a:extLst>
               <a:ext uri="{909E8E84-426E-40dd-AFC4-6F175D3DCCD1}">
-                <a14:hiddenFill xmlns:a14="http://schemas.microsoft.com/office/drawing/2010/main">
+                <a14:hiddenFill xmlns:a14="http://schemas.microsoft.com/office/drawing/2010/main" xmlns="">
                   <a:solidFill>
                     <a:schemeClr val="accent1"/>
                   </a:solidFill>
                 </a14:hiddenFill>
               </a:ext>
               <a:ext uri="{91240B29-F687-4f45-9708-019B960494DF}">
-                <a14:hiddenLine xmlns:a14="http://schemas.microsoft.com/office/drawing/2010/main" w="9525">
+                <a14:hiddenLine xmlns:a14="http://schemas.microsoft.com/office/drawing/2010/main" xmlns="" w="9525">
                   <a:solidFill>
                     <a:schemeClr val="tx1"/>
                   </a:solidFill>
@@ -11852,14 +11868,14 @@
           </a:ln>
           <a:extLst>
             <a:ext uri="{909E8E84-426E-40dd-AFC4-6F175D3DCCD1}">
-              <a14:hiddenFill xmlns:a14="http://schemas.microsoft.com/office/drawing/2010/main">
+              <a14:hiddenFill xmlns:a14="http://schemas.microsoft.com/office/drawing/2010/main" xmlns="">
                 <a:solidFill>
                   <a:schemeClr val="accent1"/>
                 </a:solidFill>
               </a14:hiddenFill>
             </a:ext>
             <a:ext uri="{91240B29-F687-4f45-9708-019B960494DF}">
-              <a14:hiddenLine xmlns:a14="http://schemas.microsoft.com/office/drawing/2010/main" w="9525">
+              <a14:hiddenLine xmlns:a14="http://schemas.microsoft.com/office/drawing/2010/main" xmlns="" w="9525">
                 <a:solidFill>
                   <a:schemeClr val="tx1"/>
                 </a:solidFill>
@@ -11922,7 +11938,7 @@
           </a:ln>
           <a:extLst>
             <a:ext uri="{909E8E84-426E-40dd-AFC4-6F175D3DCCD1}">
-              <a14:hiddenFill xmlns:a14="http://schemas.microsoft.com/office/drawing/2010/main">
+              <a14:hiddenFill xmlns:a14="http://schemas.microsoft.com/office/drawing/2010/main" xmlns="">
                 <a:noFill/>
               </a14:hiddenFill>
             </a:ext>
@@ -12040,7 +12056,7 @@
           </a:ln>
           <a:extLst>
             <a:ext uri="{909E8E84-426E-40dd-AFC4-6F175D3DCCD1}">
-              <a14:hiddenFill xmlns:a14="http://schemas.microsoft.com/office/drawing/2010/main">
+              <a14:hiddenFill xmlns:a14="http://schemas.microsoft.com/office/drawing/2010/main" xmlns="">
                 <a:noFill/>
               </a14:hiddenFill>
             </a:ext>
@@ -12069,14 +12085,14 @@
           </a:ln>
           <a:extLst>
             <a:ext uri="{909E8E84-426E-40dd-AFC4-6F175D3DCCD1}">
-              <a14:hiddenFill xmlns:a14="http://schemas.microsoft.com/office/drawing/2010/main">
+              <a14:hiddenFill xmlns:a14="http://schemas.microsoft.com/office/drawing/2010/main" xmlns="">
                 <a:solidFill>
                   <a:schemeClr val="accent1"/>
                 </a:solidFill>
               </a14:hiddenFill>
             </a:ext>
             <a:ext uri="{91240B29-F687-4f45-9708-019B960494DF}">
-              <a14:hiddenLine xmlns:a14="http://schemas.microsoft.com/office/drawing/2010/main" w="9525">
+              <a14:hiddenLine xmlns:a14="http://schemas.microsoft.com/office/drawing/2010/main" xmlns="" w="9525">
                 <a:solidFill>
                   <a:schemeClr val="tx1"/>
                 </a:solidFill>
@@ -12130,7 +12146,7 @@
           </a:ln>
           <a:extLst>
             <a:ext uri="{909E8E84-426E-40dd-AFC4-6F175D3DCCD1}">
-              <a14:hiddenFill xmlns:a14="http://schemas.microsoft.com/office/drawing/2010/main">
+              <a14:hiddenFill xmlns:a14="http://schemas.microsoft.com/office/drawing/2010/main" xmlns="">
                 <a:solidFill>
                   <a:schemeClr val="accent1"/>
                 </a:solidFill>
@@ -12175,7 +12191,7 @@
           </a:ln>
           <a:extLst>
             <a:ext uri="{909E8E84-426E-40dd-AFC4-6F175D3DCCD1}">
-              <a14:hiddenFill xmlns:a14="http://schemas.microsoft.com/office/drawing/2010/main">
+              <a14:hiddenFill xmlns:a14="http://schemas.microsoft.com/office/drawing/2010/main" xmlns="">
                 <a:noFill/>
               </a14:hiddenFill>
             </a:ext>
@@ -12204,14 +12220,14 @@
           </a:ln>
           <a:extLst>
             <a:ext uri="{909E8E84-426E-40dd-AFC4-6F175D3DCCD1}">
-              <a14:hiddenFill xmlns:a14="http://schemas.microsoft.com/office/drawing/2010/main">
+              <a14:hiddenFill xmlns:a14="http://schemas.microsoft.com/office/drawing/2010/main" xmlns="">
                 <a:solidFill>
                   <a:schemeClr val="accent1"/>
                 </a:solidFill>
               </a14:hiddenFill>
             </a:ext>
             <a:ext uri="{91240B29-F687-4f45-9708-019B960494DF}">
-              <a14:hiddenLine xmlns:a14="http://schemas.microsoft.com/office/drawing/2010/main" w="9525">
+              <a14:hiddenLine xmlns:a14="http://schemas.microsoft.com/office/drawing/2010/main" xmlns="" w="9525">
                 <a:solidFill>
                   <a:schemeClr val="tx1"/>
                 </a:solidFill>
@@ -12232,6 +12248,94 @@
               <a:rPr lang="en-US" dirty="0"/>
               <a:t>write</a:t>
             </a:r>
+          </a:p>
+        </p:txBody>
+      </p:sp>
+      <p:cxnSp>
+        <p:nvCxnSpPr>
+          <p:cNvPr id="28" name="AutoShape 27"/>
+          <p:cNvCxnSpPr>
+            <a:cxnSpLocks noChangeShapeType="1"/>
+          </p:cNvCxnSpPr>
+          <p:nvPr/>
+        </p:nvCxnSpPr>
+        <p:spPr bwMode="auto">
+          <a:xfrm>
+            <a:off x="1593849" y="2276811"/>
+            <a:ext cx="536576" cy="729194"/>
+          </a:xfrm>
+          <a:prstGeom prst="straightConnector1">
+            <a:avLst/>
+          </a:prstGeom>
+          <a:noFill/>
+          <a:ln w="9525">
+            <a:solidFill>
+              <a:schemeClr val="tx1"/>
+            </a:solidFill>
+            <a:round/>
+            <a:headEnd/>
+            <a:tailEnd type="triangle" w="med" len="med"/>
+          </a:ln>
+          <a:extLst>
+            <a:ext uri="{909E8E84-426E-40dd-AFC4-6F175D3DCCD1}">
+              <a14:hiddenFill xmlns:a14="http://schemas.microsoft.com/office/drawing/2010/main" xmlns="">
+                <a:noFill/>
+              </a14:hiddenFill>
+            </a:ext>
+          </a:extLst>
+        </p:spPr>
+      </p:cxnSp>
+      <p:sp>
+        <p:nvSpPr>
+          <p:cNvPr id="30" name="Text Box 25"/>
+          <p:cNvSpPr txBox="1">
+            <a:spLocks noChangeArrowheads="1"/>
+          </p:cNvSpPr>
+          <p:nvPr/>
+        </p:nvSpPr>
+        <p:spPr bwMode="auto">
+          <a:xfrm>
+            <a:off x="700906" y="1843399"/>
+            <a:ext cx="2043756" cy="369332"/>
+          </a:xfrm>
+          <a:prstGeom prst="rect">
+            <a:avLst/>
+          </a:prstGeom>
+          <a:noFill/>
+          <a:ln>
+            <a:noFill/>
+          </a:ln>
+          <a:extLst>
+            <a:ext uri="{909E8E84-426E-40dd-AFC4-6F175D3DCCD1}">
+              <a14:hiddenFill xmlns:a14="http://schemas.microsoft.com/office/drawing/2010/main" xmlns="">
+                <a:solidFill>
+                  <a:schemeClr val="accent1"/>
+                </a:solidFill>
+              </a14:hiddenFill>
+            </a:ext>
+            <a:ext uri="{91240B29-F687-4f45-9708-019B960494DF}">
+              <a14:hiddenLine xmlns:a14="http://schemas.microsoft.com/office/drawing/2010/main" xmlns="" w="9525">
+                <a:solidFill>
+                  <a:schemeClr val="tx1"/>
+                </a:solidFill>
+                <a:miter lim="800000"/>
+                <a:headEnd/>
+                <a:tailEnd/>
+              </a14:hiddenLine>
+            </a:ext>
+          </a:extLst>
+        </p:spPr>
+        <p:txBody>
+          <a:bodyPr wrap="square">
+            <a:spAutoFit/>
+          </a:bodyPr>
+          <a:lstStyle/>
+          <a:p>
+            <a:r>
+              <a:rPr lang="en-US" smtClean="0"/>
+              <a:t>Cuppa1 Frontend</a:t>
+            </a:r>
+            <a:endParaRPr lang="en-US" dirty="0" smtClean="0"/>
           </a:p>
         </p:txBody>
       </p:sp>
@@ -12814,7 +12918,7 @@
         <a:effectLst/>
         <a:extLst>
           <a:ext uri="{AF507438-7753-43e0-B8FC-AC1667EBCBE1}">
-            <a14:hiddenEffects xmlns:a14="http://schemas.microsoft.com/office/drawing/2010/main">
+            <a14:hiddenEffects xmlns:a14="http://schemas.microsoft.com/office/drawing/2010/main" xmlns="">
               <a:effectLst>
                 <a:outerShdw blurRad="63500" dist="38099" dir="2700000" algn="ctr" rotWithShape="0">
                   <a:schemeClr val="bg2">
@@ -12891,7 +12995,7 @@
         <a:effectLst/>
         <a:extLst>
           <a:ext uri="{AF507438-7753-43e0-B8FC-AC1667EBCBE1}">
-            <a14:hiddenEffects xmlns:a14="http://schemas.microsoft.com/office/drawing/2010/main">
+            <a14:hiddenEffects xmlns:a14="http://schemas.microsoft.com/office/drawing/2010/main" xmlns="">
               <a:effectLst>
                 <a:outerShdw blurRad="63500" dist="38099" dir="2700000" algn="ctr" rotWithShape="0">
                   <a:schemeClr val="bg2">
